--- a/Courses/Computer-Modeling-and-IT/Computer-Modeling-and-IT-5-Class/26-Introduction-to-Spreadsheets/26-Introduction-to-Spreadsheets.pptx
+++ b/Courses/Computer-Modeling-and-IT/Computer-Modeling-and-IT-5-Class/26-Introduction-to-Spreadsheets/26-Introduction-to-Spreadsheets.pptx
@@ -295,7 +295,7 @@
           <a:p>
             <a:fld id="{4E087215-0C8F-4762-A664-737A353EC9A4}" type="datetimeFigureOut">
               <a:rPr lang="bg-BG" smtClean="0"/>
-              <a:t>19.10.2023 г.</a:t>
+              <a:t>7.1.2024 г.</a:t>
             </a:fld>
             <a:endParaRPr lang="bg-BG"/>
           </a:p>
@@ -491,7 +491,7 @@
           <a:p>
             <a:fld id="{72D84649-876A-46C9-8472-14CB09C070D8}" type="datetimeFigureOut">
               <a:rPr lang="en-US" smtClean="0"/>
-              <a:t>10/19/2023</a:t>
+              <a:t>1/7/2024</a:t>
             </a:fld>
             <a:endParaRPr lang="en-US"/>
           </a:p>
@@ -7146,12 +7146,19 @@
         </p:blipFill>
         <p:spPr>
           <a:xfrm>
-            <a:off x="0" y="1089000"/>
-            <a:ext cx="12192000" cy="5805000"/>
+            <a:off x="438000" y="1269000"/>
+            <a:ext cx="11316000" cy="5387908"/>
           </a:xfrm>
           <a:prstGeom prst="rect">
             <a:avLst/>
           </a:prstGeom>
+          <a:ln>
+            <a:solidFill>
+              <a:schemeClr val="bg2">
+                <a:lumMod val="75000"/>
+              </a:schemeClr>
+            </a:solidFill>
+          </a:ln>
         </p:spPr>
       </p:pic>
       <p:sp>
@@ -7162,7 +7169,7 @@
         </p:nvSpPr>
         <p:spPr bwMode="auto">
           <a:xfrm>
-            <a:off x="6186000" y="1404000"/>
+            <a:off x="6276000" y="1359000"/>
             <a:ext cx="4500000" cy="1575000"/>
           </a:xfrm>
           <a:prstGeom prst="wedgeRoundRectCallout">
@@ -7287,59 +7294,9 @@
           <a:chExt cx="0" cy="0"/>
         </a:xfrm>
       </p:grpSpPr>
-      <p:sp>
-        <p:nvSpPr>
-          <p:cNvPr id="2" name="Slide Number Placeholder 1"/>
-          <p:cNvSpPr>
-            <a:spLocks noGrp="1"/>
-          </p:cNvSpPr>
-          <p:nvPr>
-            <p:ph type="sldNum" sz="quarter" idx="5"/>
-          </p:nvPr>
-        </p:nvSpPr>
-        <p:spPr/>
-        <p:txBody>
-          <a:bodyPr/>
-          <a:lstStyle/>
-          <a:p>
-            <a:fld id="{2BF067CD-8E6B-4360-9AA8-C5DF2A48A6D1}" type="slidenum">
-              <a:rPr lang="en-US" noProof="0" smtClean="0"/>
-              <a:pPr/>
-              <a:t>11</a:t>
-            </a:fld>
-            <a:endParaRPr lang="en-US" noProof="0" dirty="0"/>
-          </a:p>
-        </p:txBody>
-      </p:sp>
-      <p:sp>
-        <p:nvSpPr>
-          <p:cNvPr id="4" name="Title 3"/>
-          <p:cNvSpPr>
-            <a:spLocks noGrp="1"/>
-          </p:cNvSpPr>
-          <p:nvPr>
-            <p:ph type="title"/>
-          </p:nvPr>
-        </p:nvSpPr>
-        <p:spPr/>
-        <p:txBody>
-          <a:bodyPr/>
-          <a:lstStyle/>
-          <a:p>
-            <a:r>
-              <a:rPr lang="bg-BG" dirty="0"/>
-              <a:t>Елементи в </a:t>
-            </a:r>
-            <a:r>
-              <a:rPr lang="en-US" dirty="0"/>
-              <a:t>Excel</a:t>
-            </a:r>
-          </a:p>
-        </p:txBody>
-      </p:sp>
       <p:pic>
         <p:nvPicPr>
-          <p:cNvPr id="5" name="Picture 4"/>
+          <p:cNvPr id="23" name="Picture 22"/>
           <p:cNvPicPr>
             <a:picLocks noChangeAspect="1"/>
           </p:cNvPicPr>
@@ -7358,14 +7315,71 @@
         </p:blipFill>
         <p:spPr>
           <a:xfrm>
-            <a:off x="0" y="1089000"/>
-            <a:ext cx="12192000" cy="5769000"/>
+            <a:off x="437999" y="1269000"/>
+            <a:ext cx="11316001" cy="5387908"/>
           </a:xfrm>
           <a:prstGeom prst="rect">
             <a:avLst/>
           </a:prstGeom>
+          <a:ln>
+            <a:solidFill>
+              <a:schemeClr val="bg2">
+                <a:lumMod val="75000"/>
+              </a:schemeClr>
+            </a:solidFill>
+          </a:ln>
         </p:spPr>
       </p:pic>
+      <p:sp>
+        <p:nvSpPr>
+          <p:cNvPr id="2" name="Slide Number Placeholder 1"/>
+          <p:cNvSpPr>
+            <a:spLocks noGrp="1"/>
+          </p:cNvSpPr>
+          <p:nvPr>
+            <p:ph type="sldNum" sz="quarter" idx="5"/>
+          </p:nvPr>
+        </p:nvSpPr>
+        <p:spPr/>
+        <p:txBody>
+          <a:bodyPr/>
+          <a:lstStyle/>
+          <a:p>
+            <a:fld id="{2BF067CD-8E6B-4360-9AA8-C5DF2A48A6D1}" type="slidenum">
+              <a:rPr lang="en-US" noProof="0" smtClean="0"/>
+              <a:pPr/>
+              <a:t>11</a:t>
+            </a:fld>
+            <a:endParaRPr lang="en-US" noProof="0" dirty="0"/>
+          </a:p>
+        </p:txBody>
+      </p:sp>
+      <p:sp>
+        <p:nvSpPr>
+          <p:cNvPr id="4" name="Title 3"/>
+          <p:cNvSpPr>
+            <a:spLocks noGrp="1"/>
+          </p:cNvSpPr>
+          <p:nvPr>
+            <p:ph type="title"/>
+          </p:nvPr>
+        </p:nvSpPr>
+        <p:spPr/>
+        <p:txBody>
+          <a:bodyPr/>
+          <a:lstStyle/>
+          <a:p>
+            <a:r>
+              <a:rPr lang="bg-BG" dirty="0"/>
+              <a:t>Елементи в </a:t>
+            </a:r>
+            <a:r>
+              <a:rPr lang="en-US" dirty="0"/>
+              <a:t>Excel</a:t>
+            </a:r>
+          </a:p>
+        </p:txBody>
+      </p:sp>
       <p:sp>
         <p:nvSpPr>
           <p:cNvPr id="11" name="Rounded Rectangular Callout 10"/>
@@ -7463,8 +7477,8 @@
         </p:nvSpPr>
         <p:spPr bwMode="auto">
           <a:xfrm>
-            <a:off x="1575000" y="1987149"/>
-            <a:ext cx="10596000" cy="155928"/>
+            <a:off x="1236000" y="2093639"/>
+            <a:ext cx="10517030" cy="135410"/>
           </a:xfrm>
           <a:prstGeom prst="rect">
             <a:avLst/>
@@ -7530,7 +7544,7 @@
         </p:nvSpPr>
         <p:spPr bwMode="auto">
           <a:xfrm>
-            <a:off x="8099141" y="2700786"/>
+            <a:off x="8057169" y="2823761"/>
             <a:ext cx="3336549" cy="686171"/>
           </a:xfrm>
           <a:prstGeom prst="wedgeRoundRectCallout">
@@ -7619,7 +7633,7 @@
         </p:nvSpPr>
         <p:spPr bwMode="auto">
           <a:xfrm>
-            <a:off x="636326" y="6584340"/>
+            <a:off x="1009692" y="6403837"/>
             <a:ext cx="779674" cy="174659"/>
           </a:xfrm>
           <a:prstGeom prst="rect">
@@ -7686,7 +7700,7 @@
         </p:nvSpPr>
         <p:spPr bwMode="auto">
           <a:xfrm>
-            <a:off x="2541000" y="5679503"/>
+            <a:off x="2914366" y="5499000"/>
             <a:ext cx="2461634" cy="686171"/>
           </a:xfrm>
           <a:prstGeom prst="wedgeRoundRectCallout">
@@ -7864,7 +7878,7 @@
         </p:nvSpPr>
         <p:spPr bwMode="auto">
           <a:xfrm>
-            <a:off x="4656000" y="3070079"/>
+            <a:off x="4588613" y="3151196"/>
             <a:ext cx="3108274" cy="610707"/>
           </a:xfrm>
           <a:prstGeom prst="wedgeRoundRectCallout">
@@ -7953,7 +7967,7 @@
         </p:nvSpPr>
         <p:spPr bwMode="auto">
           <a:xfrm>
-            <a:off x="642053" y="4501007"/>
+            <a:off x="1083343" y="4445754"/>
             <a:ext cx="2978948" cy="637994"/>
           </a:xfrm>
           <a:prstGeom prst="wedgeRoundRectCallout">
@@ -8042,7 +8056,7 @@
         </p:nvSpPr>
         <p:spPr bwMode="auto">
           <a:xfrm>
-            <a:off x="0" y="4500380"/>
+            <a:off x="441290" y="4445127"/>
             <a:ext cx="246000" cy="174659"/>
           </a:xfrm>
           <a:prstGeom prst="rect">
@@ -8109,8 +8123,8 @@
         </p:nvSpPr>
         <p:spPr bwMode="auto">
           <a:xfrm>
-            <a:off x="4128000" y="2169000"/>
-            <a:ext cx="707999" cy="199042"/>
+            <a:off x="4305639" y="2269697"/>
+            <a:ext cx="585000" cy="199042"/>
           </a:xfrm>
           <a:prstGeom prst="rect">
             <a:avLst/>
@@ -8698,6 +8712,42 @@
           <a:chExt cx="0" cy="0"/>
         </a:xfrm>
       </p:grpSpPr>
+      <p:pic>
+        <p:nvPicPr>
+          <p:cNvPr id="7" name="Picture 6"/>
+          <p:cNvPicPr>
+            <a:picLocks noChangeAspect="1"/>
+          </p:cNvPicPr>
+          <p:nvPr/>
+        </p:nvPicPr>
+        <p:blipFill rotWithShape="1">
+          <a:blip r:embed="rId2">
+            <a:extLst>
+              <a:ext uri="{28A0092B-C50C-407E-A947-70E740481C1C}">
+                <a14:useLocalDpi xmlns:a14="http://schemas.microsoft.com/office/drawing/2010/main" val="0"/>
+              </a:ext>
+            </a:extLst>
+          </a:blip>
+          <a:srcRect b="3735"/>
+          <a:stretch/>
+        </p:blipFill>
+        <p:spPr>
+          <a:xfrm>
+            <a:off x="437033" y="1269000"/>
+            <a:ext cx="11315027" cy="5386500"/>
+          </a:xfrm>
+          <a:prstGeom prst="rect">
+            <a:avLst/>
+          </a:prstGeom>
+          <a:ln>
+            <a:solidFill>
+              <a:schemeClr val="bg2">
+                <a:lumMod val="75000"/>
+              </a:schemeClr>
+            </a:solidFill>
+          </a:ln>
+        </p:spPr>
+      </p:pic>
       <p:sp>
         <p:nvSpPr>
           <p:cNvPr id="2" name="Slide Number Placeholder 1"/>
@@ -8748,35 +8798,6 @@
           </a:p>
         </p:txBody>
       </p:sp>
-      <p:pic>
-        <p:nvPicPr>
-          <p:cNvPr id="5" name="Picture 4"/>
-          <p:cNvPicPr>
-            <a:picLocks noChangeAspect="1"/>
-          </p:cNvPicPr>
-          <p:nvPr/>
-        </p:nvPicPr>
-        <p:blipFill rotWithShape="1">
-          <a:blip r:embed="rId2">
-            <a:extLst>
-              <a:ext uri="{28A0092B-C50C-407E-A947-70E740481C1C}">
-                <a14:useLocalDpi xmlns:a14="http://schemas.microsoft.com/office/drawing/2010/main" val="0"/>
-              </a:ext>
-            </a:extLst>
-          </a:blip>
-          <a:srcRect b="3387"/>
-          <a:stretch/>
-        </p:blipFill>
-        <p:spPr>
-          <a:xfrm>
-            <a:off x="0" y="1088999"/>
-            <a:ext cx="12192000" cy="5805001"/>
-          </a:xfrm>
-          <a:prstGeom prst="rect">
-            <a:avLst/>
-          </a:prstGeom>
-        </p:spPr>
-      </p:pic>
       <p:sp>
         <p:nvSpPr>
           <p:cNvPr id="6" name="Rounded Rectangular Callout 5"/>
@@ -8785,7 +8806,7 @@
         </p:nvSpPr>
         <p:spPr bwMode="auto">
           <a:xfrm>
-            <a:off x="1011000" y="2889000"/>
+            <a:off x="1416000" y="2979000"/>
             <a:ext cx="5715000" cy="1665000"/>
           </a:xfrm>
           <a:prstGeom prst="wedgeRoundRectCallout">
@@ -9088,38 +9109,6 @@
               <a:t>Редактиране и въвеждане на данни</a:t>
             </a:r>
             <a:endParaRPr lang="en-US" dirty="0"/>
-          </a:p>
-        </p:txBody>
-      </p:sp>
-      <p:sp>
-        <p:nvSpPr>
-          <p:cNvPr id="2" name="Slide Number Placeholder 1"/>
-          <p:cNvSpPr>
-            <a:spLocks noGrp="1"/>
-          </p:cNvSpPr>
-          <p:nvPr>
-            <p:ph type="sldNum" sz="quarter" idx="4294967295"/>
-          </p:nvPr>
-        </p:nvSpPr>
-        <p:spPr>
-          <a:xfrm>
-            <a:off x="11823700" y="6507163"/>
-            <a:ext cx="368300" cy="296862"/>
-          </a:xfrm>
-          <a:prstGeom prst="rect">
-            <a:avLst/>
-          </a:prstGeom>
-        </p:spPr>
-        <p:txBody>
-          <a:bodyPr/>
-          <a:lstStyle/>
-          <a:p>
-            <a:fld id="{2BF067CD-8E6B-4360-9AA8-C5DF2A48A6D1}" type="slidenum">
-              <a:rPr lang="en-US" noProof="0" smtClean="0"/>
-              <a:pPr/>
-              <a:t>13</a:t>
-            </a:fld>
-            <a:endParaRPr lang="en-US" noProof="0" dirty="0"/>
           </a:p>
         </p:txBody>
       </p:sp>
@@ -10399,14 +10388,84 @@
         </p:blipFill>
         <p:spPr>
           <a:xfrm>
-            <a:off x="0" y="1089000"/>
-            <a:ext cx="12192000" cy="6469223"/>
+            <a:off x="696000" y="1255500"/>
+            <a:ext cx="10424423" cy="5531325"/>
           </a:xfrm>
           <a:prstGeom prst="rect">
             <a:avLst/>
           </a:prstGeom>
+          <a:ln>
+            <a:solidFill>
+              <a:schemeClr val="bg2">
+                <a:lumMod val="75000"/>
+              </a:schemeClr>
+            </a:solidFill>
+          </a:ln>
         </p:spPr>
       </p:pic>
+      <p:sp>
+        <p:nvSpPr>
+          <p:cNvPr id="7" name="Rectangle 6"/>
+          <p:cNvSpPr/>
+          <p:nvPr/>
+        </p:nvSpPr>
+        <p:spPr bwMode="auto">
+          <a:xfrm>
+            <a:off x="695999" y="6736500"/>
+            <a:ext cx="10424423" cy="121500"/>
+          </a:xfrm>
+          <a:prstGeom prst="rect">
+            <a:avLst/>
+          </a:prstGeom>
+          <a:solidFill>
+            <a:schemeClr val="bg2"/>
+          </a:solidFill>
+          <a:ln w="19050">
+            <a:noFill/>
+          </a:ln>
+          <a:effectLst/>
+        </p:spPr>
+        <p:style>
+          <a:lnRef idx="2">
+            <a:schemeClr val="accent1">
+              <a:shade val="50000"/>
+            </a:schemeClr>
+          </a:lnRef>
+          <a:fillRef idx="1001">
+            <a:schemeClr val="dk2"/>
+          </a:fillRef>
+          <a:effectRef idx="0">
+            <a:schemeClr val="accent1"/>
+          </a:effectRef>
+          <a:fontRef idx="minor">
+            <a:schemeClr val="lt1"/>
+          </a:fontRef>
+        </p:style>
+        <p:txBody>
+          <a:bodyPr rot="0" spcFirstLastPara="0" vertOverflow="overflow" horzOverflow="overflow" vert="horz" wrap="square" lIns="91440" tIns="45720" rIns="91440" bIns="45720" numCol="1" spcCol="0" rtlCol="0" fromWordArt="0" anchor="ctr" anchorCtr="0" forceAA="0" compatLnSpc="1">
+            <a:prstTxWarp prst="textNoShape">
+              <a:avLst/>
+            </a:prstTxWarp>
+            <a:noAutofit/>
+          </a:bodyPr>
+          <a:lstStyle/>
+          <a:p>
+            <a:pPr algn="ctr"/>
+            <a:endParaRPr lang="en-US" sz="2800" b="1" dirty="0">
+              <a:solidFill>
+                <a:srgbClr val="FFFFFF"/>
+              </a:solidFill>
+              <a:effectLst>
+                <a:outerShdw blurRad="38100" dist="38100" dir="2700000" algn="tl">
+                  <a:srgbClr val="000000">
+                    <a:alpha val="43137"/>
+                  </a:srgbClr>
+                </a:outerShdw>
+              </a:effectLst>
+            </a:endParaRPr>
+          </a:p>
+        </p:txBody>
+      </p:sp>
     </p:spTree>
     <p:extLst>
       <p:ext uri="{BB962C8B-B14F-4D97-AF65-F5344CB8AC3E}">
@@ -10425,6 +10484,13 @@
       <p:transition spd="slow" advClick="0" advTm="5000"/>
     </mc:Fallback>
   </mc:AlternateContent>
+  <p:timing>
+    <p:tnLst>
+      <p:par>
+        <p:cTn id="1" dur="indefinite" restart="never" nodeType="tmRoot"/>
+      </p:par>
+    </p:tnLst>
+  </p:timing>
 </p:sld>
 </file>
 
@@ -10994,7 +11060,7 @@
       </p:sp>
       <p:pic>
         <p:nvPicPr>
-          <p:cNvPr id="5" name="Picture 4"/>
+          <p:cNvPr id="6" name="Picture 5"/>
           <p:cNvPicPr>
             <a:picLocks noChangeAspect="1"/>
           </p:cNvPicPr>
@@ -11014,14 +11080,84 @@
         </p:blipFill>
         <p:spPr>
           <a:xfrm>
-            <a:off x="0" y="1089000"/>
-            <a:ext cx="12192000" cy="6475604"/>
+            <a:off x="695999" y="1255500"/>
+            <a:ext cx="10424424" cy="5536781"/>
           </a:xfrm>
           <a:prstGeom prst="rect">
             <a:avLst/>
           </a:prstGeom>
+          <a:ln>
+            <a:solidFill>
+              <a:schemeClr val="bg2">
+                <a:lumMod val="75000"/>
+              </a:schemeClr>
+            </a:solidFill>
+          </a:ln>
         </p:spPr>
       </p:pic>
+      <p:sp>
+        <p:nvSpPr>
+          <p:cNvPr id="7" name="Rectangle 6"/>
+          <p:cNvSpPr/>
+          <p:nvPr/>
+        </p:nvSpPr>
+        <p:spPr bwMode="auto">
+          <a:xfrm>
+            <a:off x="695999" y="6736500"/>
+            <a:ext cx="10424423" cy="121500"/>
+          </a:xfrm>
+          <a:prstGeom prst="rect">
+            <a:avLst/>
+          </a:prstGeom>
+          <a:solidFill>
+            <a:schemeClr val="bg2"/>
+          </a:solidFill>
+          <a:ln w="19050">
+            <a:noFill/>
+          </a:ln>
+          <a:effectLst/>
+        </p:spPr>
+        <p:style>
+          <a:lnRef idx="2">
+            <a:schemeClr val="accent1">
+              <a:shade val="50000"/>
+            </a:schemeClr>
+          </a:lnRef>
+          <a:fillRef idx="1001">
+            <a:schemeClr val="dk2"/>
+          </a:fillRef>
+          <a:effectRef idx="0">
+            <a:schemeClr val="accent1"/>
+          </a:effectRef>
+          <a:fontRef idx="minor">
+            <a:schemeClr val="lt1"/>
+          </a:fontRef>
+        </p:style>
+        <p:txBody>
+          <a:bodyPr rot="0" spcFirstLastPara="0" vertOverflow="overflow" horzOverflow="overflow" vert="horz" wrap="square" lIns="91440" tIns="45720" rIns="91440" bIns="45720" numCol="1" spcCol="0" rtlCol="0" fromWordArt="0" anchor="ctr" anchorCtr="0" forceAA="0" compatLnSpc="1">
+            <a:prstTxWarp prst="textNoShape">
+              <a:avLst/>
+            </a:prstTxWarp>
+            <a:noAutofit/>
+          </a:bodyPr>
+          <a:lstStyle/>
+          <a:p>
+            <a:pPr algn="ctr"/>
+            <a:endParaRPr lang="en-US" sz="2800" b="1" dirty="0">
+              <a:solidFill>
+                <a:srgbClr val="FFFFFF"/>
+              </a:solidFill>
+              <a:effectLst>
+                <a:outerShdw blurRad="38100" dist="38100" dir="2700000" algn="tl">
+                  <a:srgbClr val="000000">
+                    <a:alpha val="43137"/>
+                  </a:srgbClr>
+                </a:outerShdw>
+              </a:effectLst>
+            </a:endParaRPr>
+          </a:p>
+        </p:txBody>
+      </p:sp>
     </p:spTree>
     <p:extLst>
       <p:ext uri="{BB962C8B-B14F-4D97-AF65-F5344CB8AC3E}">
@@ -11040,6 +11176,13 @@
       <p:transition spd="slow" advClick="0" advTm="5000"/>
     </mc:Fallback>
   </mc:AlternateContent>
+  <p:timing>
+    <p:tnLst>
+      <p:par>
+        <p:cTn id="1" dur="indefinite" restart="never" nodeType="tmRoot"/>
+      </p:par>
+    </p:tnLst>
+  </p:timing>
 </p:sld>
 </file>
 
@@ -12893,7 +13036,7 @@
                 <a:hlinkClick r:id="rId3">
                   <a:extLst>
                     <a:ext uri="{A12FA001-AC4F-418D-AE19-62706E023703}">
-                      <ahyp:hlinkClr xmlns:ahyp="http://schemas.microsoft.com/office/drawing/2018/hyperlinkcolor" xmlns="" val="tx"/>
+                      <ahyp:hlinkClr xmlns="" xmlns:ahyp="http://schemas.microsoft.com/office/drawing/2018/hyperlinkcolor" val="tx"/>
                     </a:ext>
                   </a:extLst>
                 </a:hlinkClick>
@@ -13412,38 +13555,6 @@
               <a:t>Електронни таблици</a:t>
             </a:r>
             <a:endParaRPr lang="en-US" dirty="0"/>
-          </a:p>
-        </p:txBody>
-      </p:sp>
-      <p:sp>
-        <p:nvSpPr>
-          <p:cNvPr id="2" name="Slide Number Placeholder 1"/>
-          <p:cNvSpPr>
-            <a:spLocks noGrp="1"/>
-          </p:cNvSpPr>
-          <p:nvPr>
-            <p:ph type="sldNum" sz="quarter" idx="4294967295"/>
-          </p:nvPr>
-        </p:nvSpPr>
-        <p:spPr>
-          <a:xfrm>
-            <a:off x="11823700" y="6507163"/>
-            <a:ext cx="368300" cy="296862"/>
-          </a:xfrm>
-          <a:prstGeom prst="rect">
-            <a:avLst/>
-          </a:prstGeom>
-        </p:spPr>
-        <p:txBody>
-          <a:bodyPr/>
-          <a:lstStyle/>
-          <a:p>
-            <a:fld id="{2BF067CD-8E6B-4360-9AA8-C5DF2A48A6D1}" type="slidenum">
-              <a:rPr lang="en-US" noProof="0" smtClean="0"/>
-              <a:pPr/>
-              <a:t>3</a:t>
-            </a:fld>
-            <a:endParaRPr lang="en-US" noProof="0"/>
           </a:p>
         </p:txBody>
       </p:sp>
@@ -14228,38 +14339,6 @@
               <a:t>Елементи на електронна таблица</a:t>
             </a:r>
             <a:endParaRPr lang="en-US" dirty="0"/>
-          </a:p>
-        </p:txBody>
-      </p:sp>
-      <p:sp>
-        <p:nvSpPr>
-          <p:cNvPr id="2" name="Slide Number Placeholder 1"/>
-          <p:cNvSpPr>
-            <a:spLocks noGrp="1"/>
-          </p:cNvSpPr>
-          <p:nvPr>
-            <p:ph type="sldNum" sz="quarter" idx="4294967295"/>
-          </p:nvPr>
-        </p:nvSpPr>
-        <p:spPr>
-          <a:xfrm>
-            <a:off x="11823700" y="6507163"/>
-            <a:ext cx="368300" cy="296862"/>
-          </a:xfrm>
-          <a:prstGeom prst="rect">
-            <a:avLst/>
-          </a:prstGeom>
-        </p:spPr>
-        <p:txBody>
-          <a:bodyPr/>
-          <a:lstStyle/>
-          <a:p>
-            <a:fld id="{2BF067CD-8E6B-4360-9AA8-C5DF2A48A6D1}" type="slidenum">
-              <a:rPr lang="en-US" noProof="0" smtClean="0"/>
-              <a:pPr/>
-              <a:t>6</a:t>
-            </a:fld>
-            <a:endParaRPr lang="en-US" noProof="0" dirty="0"/>
           </a:p>
         </p:txBody>
       </p:sp>
@@ -15932,38 +16011,6 @@
               <a:rPr lang="en-US" dirty="0"/>
               <a:t>Microsoft Excel</a:t>
             </a:r>
-          </a:p>
-        </p:txBody>
-      </p:sp>
-      <p:sp>
-        <p:nvSpPr>
-          <p:cNvPr id="2" name="Slide Number Placeholder 1"/>
-          <p:cNvSpPr>
-            <a:spLocks noGrp="1"/>
-          </p:cNvSpPr>
-          <p:nvPr>
-            <p:ph type="sldNum" sz="quarter" idx="4294967295"/>
-          </p:nvPr>
-        </p:nvSpPr>
-        <p:spPr>
-          <a:xfrm>
-            <a:off x="11823700" y="6507163"/>
-            <a:ext cx="368300" cy="296862"/>
-          </a:xfrm>
-          <a:prstGeom prst="rect">
-            <a:avLst/>
-          </a:prstGeom>
-        </p:spPr>
-        <p:txBody>
-          <a:bodyPr/>
-          <a:lstStyle/>
-          <a:p>
-            <a:fld id="{2BF067CD-8E6B-4360-9AA8-C5DF2A48A6D1}" type="slidenum">
-              <a:rPr lang="en-US" noProof="0" smtClean="0"/>
-              <a:pPr/>
-              <a:t>9</a:t>
-            </a:fld>
-            <a:endParaRPr lang="en-US" noProof="0" dirty="0"/>
           </a:p>
         </p:txBody>
       </p:sp>

--- a/Courses/Computer-Modeling-and-IT/Computer-Modeling-and-IT-5-Class/26-Introduction-to-Spreadsheets/26-Introduction-to-Spreadsheets.pptx
+++ b/Courses/Computer-Modeling-and-IT/Computer-Modeling-and-IT-5-Class/26-Introduction-to-Spreadsheets/26-Introduction-to-Spreadsheets.pptx
@@ -5,10 +5,10 @@
     <p:sldMasterId id="2147483675" r:id="rId1"/>
   </p:sldMasterIdLst>
   <p:notesMasterIdLst>
-    <p:notesMasterId r:id="rId23"/>
+    <p:notesMasterId r:id="rId24"/>
   </p:notesMasterIdLst>
   <p:handoutMasterIdLst>
-    <p:handoutMasterId r:id="rId24"/>
+    <p:handoutMasterId r:id="rId25"/>
   </p:handoutMasterIdLst>
   <p:sldIdLst>
     <p:sldId id="503" r:id="rId2"/>
@@ -25,13 +25,14 @@
     <p:sldId id="599" r:id="rId13"/>
     <p:sldId id="597" r:id="rId14"/>
     <p:sldId id="603" r:id="rId15"/>
-    <p:sldId id="598" r:id="rId16"/>
-    <p:sldId id="600" r:id="rId17"/>
-    <p:sldId id="601" r:id="rId18"/>
-    <p:sldId id="602" r:id="rId19"/>
-    <p:sldId id="586" r:id="rId20"/>
-    <p:sldId id="504" r:id="rId21"/>
-    <p:sldId id="505" r:id="rId22"/>
+    <p:sldId id="604" r:id="rId16"/>
+    <p:sldId id="598" r:id="rId17"/>
+    <p:sldId id="600" r:id="rId18"/>
+    <p:sldId id="601" r:id="rId19"/>
+    <p:sldId id="602" r:id="rId20"/>
+    <p:sldId id="586" r:id="rId21"/>
+    <p:sldId id="504" r:id="rId22"/>
+    <p:sldId id="505" r:id="rId23"/>
   </p:sldIdLst>
   <p:sldSz cx="12192000" cy="6858000"/>
   <p:notesSz cx="6858000" cy="9144000"/>
@@ -165,6 +166,7 @@
           <p14:sldIdLst>
             <p14:sldId id="597"/>
             <p14:sldId id="603"/>
+            <p14:sldId id="604"/>
             <p14:sldId id="598"/>
             <p14:sldId id="600"/>
             <p14:sldId id="601"/>
@@ -295,7 +297,7 @@
           <a:p>
             <a:fld id="{4E087215-0C8F-4762-A664-737A353EC9A4}" type="datetimeFigureOut">
               <a:rPr lang="bg-BG" smtClean="0"/>
-              <a:t>7.1.2024 г.</a:t>
+              <a:t>18.1.2024 г.</a:t>
             </a:fld>
             <a:endParaRPr lang="bg-BG"/>
           </a:p>
@@ -491,7 +493,7 @@
           <a:p>
             <a:fld id="{72D84649-876A-46C9-8472-14CB09C070D8}" type="datetimeFigureOut">
               <a:rPr lang="en-US" smtClean="0"/>
-              <a:t>1/7/2024</a:t>
+              <a:t>18-Jan-24</a:t>
             </a:fld>
             <a:endParaRPr lang="en-US"/>
           </a:p>
@@ -1276,7 +1278,7 @@
             <a:fld id="{3EBA5BD7-F043-4D1B-AA17-CD412FC534DE}" type="slidenum">
               <a:rPr lang="en-US" smtClean="0"/>
               <a:pPr/>
-              <a:t>19</a:t>
+              <a:t>20</a:t>
             </a:fld>
             <a:endParaRPr lang="en-US" dirty="0"/>
           </a:p>
@@ -1467,7 +1469,7 @@
             <a:fld id="{3EBA5BD7-F043-4D1B-AA17-CD412FC534DE}" type="slidenum">
               <a:rPr lang="en-US" smtClean="0"/>
               <a:pPr/>
-              <a:t>20</a:t>
+              <a:t>21</a:t>
             </a:fld>
             <a:endParaRPr lang="en-US" dirty="0"/>
           </a:p>
@@ -1697,7 +1699,7 @@
             <a:fld id="{3EBA5BD7-F043-4D1B-AA17-CD412FC534DE}" type="slidenum">
               <a:rPr lang="en-US" smtClean="0"/>
               <a:pPr/>
-              <a:t>21</a:t>
+              <a:t>22</a:t>
             </a:fld>
             <a:endParaRPr lang="en-US" dirty="0"/>
           </a:p>
@@ -8964,6 +8966,157 @@
                   </a:srgbClr>
                 </a:outerShdw>
               </a:effectLst>
+            </a:endParaRPr>
+          </a:p>
+        </p:txBody>
+      </p:sp>
+      <p:sp>
+        <p:nvSpPr>
+          <p:cNvPr id="8" name="Rectangle: Rounded Corners 7">
+            <a:extLst>
+              <a:ext uri="{FF2B5EF4-FFF2-40B4-BE49-F238E27FC236}">
+                <a16:creationId xmlns:a16="http://schemas.microsoft.com/office/drawing/2014/main" id="{ADB06530-C73C-BD0B-B4F5-7E1717798D87}"/>
+              </a:ext>
+            </a:extLst>
+          </p:cNvPr>
+          <p:cNvSpPr/>
+          <p:nvPr/>
+        </p:nvSpPr>
+        <p:spPr bwMode="auto">
+          <a:xfrm>
+            <a:off x="7356000" y="3159000"/>
+            <a:ext cx="4009403" cy="2655000"/>
+          </a:xfrm>
+          <a:prstGeom prst="roundRect">
+            <a:avLst/>
+          </a:prstGeom>
+          <a:solidFill>
+            <a:schemeClr val="dk2">
+              <a:alpha val="80000"/>
+            </a:schemeClr>
+          </a:solidFill>
+          <a:ln w="19050">
+            <a:solidFill>
+              <a:schemeClr val="tx1">
+                <a:lumMod val="75000"/>
+                <a:alpha val="80000"/>
+              </a:schemeClr>
+            </a:solidFill>
+          </a:ln>
+          <a:effectLst/>
+        </p:spPr>
+        <p:style>
+          <a:lnRef idx="2">
+            <a:schemeClr val="accent1">
+              <a:shade val="50000"/>
+            </a:schemeClr>
+          </a:lnRef>
+          <a:fillRef idx="1001">
+            <a:schemeClr val="dk2"/>
+          </a:fillRef>
+          <a:effectRef idx="0">
+            <a:schemeClr val="accent1"/>
+          </a:effectRef>
+          <a:fontRef idx="minor">
+            <a:schemeClr val="lt1"/>
+          </a:fontRef>
+        </p:style>
+        <p:txBody>
+          <a:bodyPr rot="0" spcFirstLastPara="0" vertOverflow="overflow" horzOverflow="overflow" vert="horz" wrap="square" lIns="91440" tIns="45720" rIns="91440" bIns="45720" numCol="1" spcCol="0" rtlCol="0" fromWordArt="0" anchor="ctr" anchorCtr="0" forceAA="0" compatLnSpc="1">
+            <a:prstTxWarp prst="textNoShape">
+              <a:avLst/>
+            </a:prstTxWarp>
+            <a:noAutofit/>
+          </a:bodyPr>
+          <a:lstStyle/>
+          <a:p>
+            <a:pPr algn="ctr"/>
+            <a:r>
+              <a:rPr lang="en-US" sz="4000" b="1" dirty="0">
+                <a:solidFill>
+                  <a:schemeClr val="tx1"/>
+                </a:solidFill>
+                <a:effectLst>
+                  <a:outerShdw blurRad="38100" dist="38100" dir="2700000" algn="tl">
+                    <a:srgbClr val="000000">
+                      <a:alpha val="43137"/>
+                    </a:srgbClr>
+                  </a:outerShdw>
+                </a:effectLst>
+                <a:highlight>
+                  <a:srgbClr val="FFFF00"/>
+                </a:highlight>
+              </a:rPr>
+              <a:t>TODO: </a:t>
+            </a:r>
+            <a:r>
+              <a:rPr lang="bg-BG" sz="4000" b="1" dirty="0">
+                <a:solidFill>
+                  <a:schemeClr val="tx1"/>
+                </a:solidFill>
+                <a:effectLst>
+                  <a:outerShdw blurRad="38100" dist="38100" dir="2700000" algn="tl">
+                    <a:srgbClr val="000000">
+                      <a:alpha val="43137"/>
+                    </a:srgbClr>
+                  </a:outerShdw>
+                </a:effectLst>
+                <a:highlight>
+                  <a:srgbClr val="FFFF00"/>
+                </a:highlight>
+              </a:rPr>
+              <a:t>да се </a:t>
+            </a:r>
+            <a:r>
+              <a:rPr lang="en-US" sz="4000" b="1" dirty="0">
+                <a:solidFill>
+                  <a:schemeClr val="tx1"/>
+                </a:solidFill>
+                <a:effectLst>
+                  <a:outerShdw blurRad="38100" dist="38100" dir="2700000" algn="tl">
+                    <a:srgbClr val="000000">
+                      <a:alpha val="43137"/>
+                    </a:srgbClr>
+                  </a:outerShdw>
+                </a:effectLst>
+                <a:highlight>
+                  <a:srgbClr val="FFFF00"/>
+                </a:highlight>
+              </a:rPr>
+              <a:t>crop</a:t>
+            </a:r>
+            <a:r>
+              <a:rPr lang="bg-BG" sz="4000" b="1" dirty="0">
+                <a:solidFill>
+                  <a:schemeClr val="tx1"/>
+                </a:solidFill>
+                <a:effectLst>
+                  <a:outerShdw blurRad="38100" dist="38100" dir="2700000" algn="tl">
+                    <a:srgbClr val="000000">
+                      <a:alpha val="43137"/>
+                    </a:srgbClr>
+                  </a:outerShdw>
+                </a:effectLst>
+                <a:highlight>
+                  <a:srgbClr val="FFFF00"/>
+                </a:highlight>
+              </a:rPr>
+              <a:t>-не картинката, за да е по-едра</a:t>
+            </a:r>
+            <a:endParaRPr lang="en-US" sz="4000" b="1" dirty="0">
+              <a:solidFill>
+                <a:schemeClr val="tx1"/>
+              </a:solidFill>
+              <a:effectLst>
+                <a:outerShdw blurRad="38100" dist="38100" dir="2700000" algn="tl">
+                  <a:srgbClr val="000000">
+                    <a:alpha val="43137"/>
+                  </a:srgbClr>
+                </a:outerShdw>
+              </a:effectLst>
+              <a:highlight>
+                <a:srgbClr val="FFFF00"/>
+              </a:highlight>
             </a:endParaRPr>
           </a:p>
         </p:txBody>
@@ -9974,6 +10127,146 @@
       </p:grpSpPr>
       <p:sp>
         <p:nvSpPr>
+          <p:cNvPr id="2" name="Slide Number Placeholder 1">
+            <a:extLst>
+              <a:ext uri="{FF2B5EF4-FFF2-40B4-BE49-F238E27FC236}">
+                <a16:creationId xmlns:a16="http://schemas.microsoft.com/office/drawing/2014/main" id="{902C87E2-F5B8-0461-7A9F-D712C3784D63}"/>
+              </a:ext>
+            </a:extLst>
+          </p:cNvPr>
+          <p:cNvSpPr>
+            <a:spLocks noGrp="1"/>
+          </p:cNvSpPr>
+          <p:nvPr>
+            <p:ph type="sldNum" sz="quarter" idx="5"/>
+          </p:nvPr>
+        </p:nvSpPr>
+        <p:spPr/>
+        <p:txBody>
+          <a:bodyPr/>
+          <a:lstStyle/>
+          <a:p>
+            <a:fld id="{2BF067CD-8E6B-4360-9AA8-C5DF2A48A6D1}" type="slidenum">
+              <a:rPr lang="en-US" noProof="0" smtClean="0"/>
+              <a:pPr/>
+              <a:t>15</a:t>
+            </a:fld>
+            <a:endParaRPr lang="en-US" noProof="0" dirty="0"/>
+          </a:p>
+        </p:txBody>
+      </p:sp>
+      <p:sp>
+        <p:nvSpPr>
+          <p:cNvPr id="3" name="Text Placeholder 2">
+            <a:extLst>
+              <a:ext uri="{FF2B5EF4-FFF2-40B4-BE49-F238E27FC236}">
+                <a16:creationId xmlns:a16="http://schemas.microsoft.com/office/drawing/2014/main" id="{3432CF1E-9524-59A4-5CCF-FA33F0A19862}"/>
+              </a:ext>
+            </a:extLst>
+          </p:cNvPr>
+          <p:cNvSpPr>
+            <a:spLocks noGrp="1"/>
+          </p:cNvSpPr>
+          <p:nvPr>
+            <p:ph type="body" sz="quarter" idx="10"/>
+          </p:nvPr>
+        </p:nvSpPr>
+        <p:spPr/>
+        <p:txBody>
+          <a:bodyPr>
+            <a:normAutofit/>
+          </a:bodyPr>
+          <a:lstStyle/>
+          <a:p>
+            <a:r>
+              <a:rPr lang="en-US" sz="5400" dirty="0">
+                <a:highlight>
+                  <a:srgbClr val="FFFF00"/>
+                </a:highlight>
+              </a:rPr>
+              <a:t>TODO: </a:t>
+            </a:r>
+            <a:r>
+              <a:rPr lang="bg-BG" sz="5400" dirty="0">
+                <a:highlight>
+                  <a:srgbClr val="FFFF00"/>
+                </a:highlight>
+              </a:rPr>
+              <a:t>анимация за действията от предния слайд</a:t>
+            </a:r>
+            <a:endParaRPr lang="en-US" sz="5400" dirty="0">
+              <a:highlight>
+                <a:srgbClr val="FFFF00"/>
+              </a:highlight>
+            </a:endParaRPr>
+          </a:p>
+        </p:txBody>
+      </p:sp>
+      <p:sp>
+        <p:nvSpPr>
+          <p:cNvPr id="4" name="Title 3">
+            <a:extLst>
+              <a:ext uri="{FF2B5EF4-FFF2-40B4-BE49-F238E27FC236}">
+                <a16:creationId xmlns:a16="http://schemas.microsoft.com/office/drawing/2014/main" id="{08415833-BA99-932A-C575-923CB9033C87}"/>
+              </a:ext>
+            </a:extLst>
+          </p:cNvPr>
+          <p:cNvSpPr>
+            <a:spLocks noGrp="1"/>
+          </p:cNvSpPr>
+          <p:nvPr>
+            <p:ph type="title"/>
+          </p:nvPr>
+        </p:nvSpPr>
+        <p:spPr/>
+        <p:txBody>
+          <a:bodyPr/>
+          <a:lstStyle/>
+          <a:p>
+            <a:endParaRPr lang="en-US"/>
+          </a:p>
+        </p:txBody>
+      </p:sp>
+    </p:spTree>
+    <p:extLst>
+      <p:ext uri="{BB962C8B-B14F-4D97-AF65-F5344CB8AC3E}">
+        <p14:creationId xmlns:p14="http://schemas.microsoft.com/office/powerpoint/2010/main" val="1022213020"/>
+      </p:ext>
+    </p:extLst>
+  </p:cSld>
+  <p:clrMapOvr>
+    <a:masterClrMapping/>
+  </p:clrMapOvr>
+  <mc:AlternateContent xmlns:mc="http://schemas.openxmlformats.org/markup-compatibility/2006" xmlns:p14="http://schemas.microsoft.com/office/powerpoint/2010/main">
+    <mc:Choice Requires="p14">
+      <p:transition spd="slow" p14:dur="2000" advClick="0" advTm="5000"/>
+    </mc:Choice>
+    <mc:Fallback xmlns="">
+      <p:transition spd="slow" advClick="0" advTm="5000"/>
+    </mc:Fallback>
+  </mc:AlternateContent>
+</p:sld>
+</file>
+
+<file path=ppt/slides/slide16.xml><?xml version="1.0" encoding="utf-8"?>
+<p:sld xmlns:a="http://schemas.openxmlformats.org/drawingml/2006/main" xmlns:r="http://schemas.openxmlformats.org/officeDocument/2006/relationships" xmlns:p="http://schemas.openxmlformats.org/presentationml/2006/main">
+  <p:cSld>
+    <p:spTree>
+      <p:nvGrpSpPr>
+        <p:cNvPr id="1" name=""/>
+        <p:cNvGrpSpPr/>
+        <p:nvPr/>
+      </p:nvGrpSpPr>
+      <p:grpSpPr>
+        <a:xfrm>
+          <a:off x="0" y="0"/>
+          <a:ext cx="0" cy="0"/>
+          <a:chOff x="0" y="0"/>
+          <a:chExt cx="0" cy="0"/>
+        </a:xfrm>
+      </p:grpSpPr>
+      <p:sp>
+        <p:nvSpPr>
           <p:cNvPr id="5" name="Text Placeholder 4"/>
           <p:cNvSpPr>
             <a:spLocks noGrp="1"/>
@@ -10294,7 +10587,7 @@
 </p:sld>
 </file>
 
-<file path=ppt/slides/slide16.xml><?xml version="1.0" encoding="utf-8"?>
+<file path=ppt/slides/slide17.xml><?xml version="1.0" encoding="utf-8"?>
 <p:sld xmlns:a="http://schemas.openxmlformats.org/drawingml/2006/main" xmlns:r="http://schemas.openxmlformats.org/officeDocument/2006/relationships" xmlns:p="http://schemas.openxmlformats.org/presentationml/2006/main">
   <p:cSld>
     <p:spTree>
@@ -10329,7 +10622,7 @@
             <a:fld id="{2BF067CD-8E6B-4360-9AA8-C5DF2A48A6D1}" type="slidenum">
               <a:rPr lang="en-US" noProof="0" smtClean="0"/>
               <a:pPr/>
-              <a:t>16</a:t>
+              <a:t>17</a:t>
             </a:fld>
             <a:endParaRPr lang="en-US" noProof="0" dirty="0"/>
           </a:p>
@@ -10484,17 +10777,10 @@
       <p:transition spd="slow" advClick="0" advTm="5000"/>
     </mc:Fallback>
   </mc:AlternateContent>
-  <p:timing>
-    <p:tnLst>
-      <p:par>
-        <p:cTn id="1" dur="indefinite" restart="never" nodeType="tmRoot"/>
-      </p:par>
-    </p:tnLst>
-  </p:timing>
 </p:sld>
 </file>
 
-<file path=ppt/slides/slide17.xml><?xml version="1.0" encoding="utf-8"?>
+<file path=ppt/slides/slide18.xml><?xml version="1.0" encoding="utf-8"?>
 <p:sld xmlns:a="http://schemas.openxmlformats.org/drawingml/2006/main" xmlns:r="http://schemas.openxmlformats.org/officeDocument/2006/relationships" xmlns:p="http://schemas.openxmlformats.org/presentationml/2006/main">
   <p:cSld>
     <p:spTree>
@@ -10529,7 +10815,7 @@
             <a:fld id="{2BF067CD-8E6B-4360-9AA8-C5DF2A48A6D1}" type="slidenum">
               <a:rPr lang="en-US" noProof="0" smtClean="0"/>
               <a:pPr/>
-              <a:t>17</a:t>
+              <a:t>18</a:t>
             </a:fld>
             <a:endParaRPr lang="en-US" noProof="0" dirty="0"/>
           </a:p>
@@ -10994,7 +11280,7 @@
 </p:sld>
 </file>
 
-<file path=ppt/slides/slide18.xml><?xml version="1.0" encoding="utf-8"?>
+<file path=ppt/slides/slide19.xml><?xml version="1.0" encoding="utf-8"?>
 <p:sld xmlns:a="http://schemas.openxmlformats.org/drawingml/2006/main" xmlns:r="http://schemas.openxmlformats.org/officeDocument/2006/relationships" xmlns:p="http://schemas.openxmlformats.org/presentationml/2006/main">
   <p:cSld>
     <p:spTree>
@@ -11029,7 +11315,7 @@
             <a:fld id="{2BF067CD-8E6B-4360-9AA8-C5DF2A48A6D1}" type="slidenum">
               <a:rPr lang="en-US" noProof="0" smtClean="0"/>
               <a:pPr/>
-              <a:t>18</a:t>
+              <a:t>19</a:t>
             </a:fld>
             <a:endParaRPr lang="en-US" noProof="0" dirty="0"/>
           </a:p>
@@ -11176,17 +11462,510 @@
       <p:transition spd="slow" advClick="0" advTm="5000"/>
     </mc:Fallback>
   </mc:AlternateContent>
+</p:sld>
+</file>
+
+<file path=ppt/slides/slide2.xml><?xml version="1.0" encoding="utf-8"?>
+<p:sld xmlns:a="http://schemas.openxmlformats.org/drawingml/2006/main" xmlns:r="http://schemas.openxmlformats.org/officeDocument/2006/relationships" xmlns:p="http://schemas.openxmlformats.org/presentationml/2006/main">
+  <p:cSld>
+    <p:spTree>
+      <p:nvGrpSpPr>
+        <p:cNvPr id="1" name=""/>
+        <p:cNvGrpSpPr/>
+        <p:nvPr/>
+      </p:nvGrpSpPr>
+      <p:grpSpPr>
+        <a:xfrm>
+          <a:off x="0" y="0"/>
+          <a:ext cx="0" cy="0"/>
+          <a:chOff x="0" y="0"/>
+          <a:chExt cx="0" cy="0"/>
+        </a:xfrm>
+      </p:grpSpPr>
+      <p:sp>
+        <p:nvSpPr>
+          <p:cNvPr id="5" name="Slide Number">
+            <a:extLst>
+              <a:ext uri="{FF2B5EF4-FFF2-40B4-BE49-F238E27FC236}">
+                <a16:creationId xmlns:a16="http://schemas.microsoft.com/office/drawing/2014/main" id="{6A760D59-0056-4F39-B077-DBDBE3D2927E}"/>
+              </a:ext>
+            </a:extLst>
+          </p:cNvPr>
+          <p:cNvSpPr txBox="1">
+            <a:spLocks/>
+          </p:cNvSpPr>
+          <p:nvPr/>
+        </p:nvSpPr>
+        <p:spPr>
+          <a:xfrm>
+            <a:off x="11753030" y="6507000"/>
+            <a:ext cx="367414" cy="297000"/>
+          </a:xfrm>
+          <a:prstGeom prst="rect">
+            <a:avLst/>
+          </a:prstGeom>
+        </p:spPr>
+        <p:txBody>
+          <a:bodyPr vert="horz" lIns="91440" tIns="45720" rIns="91440" bIns="45720" rtlCol="0" anchor="b"/>
+          <a:lstStyle>
+            <a:defPPr>
+              <a:defRPr lang="en-US"/>
+            </a:defPPr>
+            <a:lvl1pPr marL="0" algn="r" defTabSz="914400" rtl="0" eaLnBrk="1" latinLnBrk="0" hangingPunct="1">
+              <a:defRPr sz="1000" kern="1200">
+                <a:solidFill>
+                  <a:schemeClr val="tx1"/>
+                </a:solidFill>
+                <a:latin typeface="+mn-lt"/>
+                <a:ea typeface="+mn-ea"/>
+                <a:cs typeface="+mn-cs"/>
+              </a:defRPr>
+            </a:lvl1pPr>
+            <a:lvl2pPr marL="457200" algn="l" defTabSz="914400" rtl="0" eaLnBrk="1" latinLnBrk="0" hangingPunct="1">
+              <a:defRPr sz="1800" kern="1200">
+                <a:solidFill>
+                  <a:schemeClr val="tx1"/>
+                </a:solidFill>
+                <a:latin typeface="+mn-lt"/>
+                <a:ea typeface="+mn-ea"/>
+                <a:cs typeface="+mn-cs"/>
+              </a:defRPr>
+            </a:lvl2pPr>
+            <a:lvl3pPr marL="914400" algn="l" defTabSz="914400" rtl="0" eaLnBrk="1" latinLnBrk="0" hangingPunct="1">
+              <a:defRPr sz="1800" kern="1200">
+                <a:solidFill>
+                  <a:schemeClr val="tx1"/>
+                </a:solidFill>
+                <a:latin typeface="+mn-lt"/>
+                <a:ea typeface="+mn-ea"/>
+                <a:cs typeface="+mn-cs"/>
+              </a:defRPr>
+            </a:lvl3pPr>
+            <a:lvl4pPr marL="1371600" algn="l" defTabSz="914400" rtl="0" eaLnBrk="1" latinLnBrk="0" hangingPunct="1">
+              <a:defRPr sz="1800" kern="1200">
+                <a:solidFill>
+                  <a:schemeClr val="tx1"/>
+                </a:solidFill>
+                <a:latin typeface="+mn-lt"/>
+                <a:ea typeface="+mn-ea"/>
+                <a:cs typeface="+mn-cs"/>
+              </a:defRPr>
+            </a:lvl4pPr>
+            <a:lvl5pPr marL="1828800" algn="l" defTabSz="914400" rtl="0" eaLnBrk="1" latinLnBrk="0" hangingPunct="1">
+              <a:defRPr sz="1800" kern="1200">
+                <a:solidFill>
+                  <a:schemeClr val="tx1"/>
+                </a:solidFill>
+                <a:latin typeface="+mn-lt"/>
+                <a:ea typeface="+mn-ea"/>
+                <a:cs typeface="+mn-cs"/>
+              </a:defRPr>
+            </a:lvl5pPr>
+            <a:lvl6pPr marL="2286000" algn="l" defTabSz="914400" rtl="0" eaLnBrk="1" latinLnBrk="0" hangingPunct="1">
+              <a:defRPr sz="1800" kern="1200">
+                <a:solidFill>
+                  <a:schemeClr val="tx1"/>
+                </a:solidFill>
+                <a:latin typeface="+mn-lt"/>
+                <a:ea typeface="+mn-ea"/>
+                <a:cs typeface="+mn-cs"/>
+              </a:defRPr>
+            </a:lvl6pPr>
+            <a:lvl7pPr marL="2743200" algn="l" defTabSz="914400" rtl="0" eaLnBrk="1" latinLnBrk="0" hangingPunct="1">
+              <a:defRPr sz="1800" kern="1200">
+                <a:solidFill>
+                  <a:schemeClr val="tx1"/>
+                </a:solidFill>
+                <a:latin typeface="+mn-lt"/>
+                <a:ea typeface="+mn-ea"/>
+                <a:cs typeface="+mn-cs"/>
+              </a:defRPr>
+            </a:lvl7pPr>
+            <a:lvl8pPr marL="3200400" algn="l" defTabSz="914400" rtl="0" eaLnBrk="1" latinLnBrk="0" hangingPunct="1">
+              <a:defRPr sz="1800" kern="1200">
+                <a:solidFill>
+                  <a:schemeClr val="tx1"/>
+                </a:solidFill>
+                <a:latin typeface="+mn-lt"/>
+                <a:ea typeface="+mn-ea"/>
+                <a:cs typeface="+mn-cs"/>
+              </a:defRPr>
+            </a:lvl8pPr>
+            <a:lvl9pPr marL="3657600" algn="l" defTabSz="914400" rtl="0" eaLnBrk="1" latinLnBrk="0" hangingPunct="1">
+              <a:defRPr sz="1800" kern="1200">
+                <a:solidFill>
+                  <a:schemeClr val="tx1"/>
+                </a:solidFill>
+                <a:latin typeface="+mn-lt"/>
+                <a:ea typeface="+mn-ea"/>
+                <a:cs typeface="+mn-cs"/>
+              </a:defRPr>
+            </a:lvl9pPr>
+          </a:lstStyle>
+          <a:p>
+            <a:fld id="{2BF067CD-8E6B-4360-9AA8-C5DF2A48A6D1}" type="slidenum">
+              <a:rPr lang="en-US" smtClean="0"/>
+              <a:pPr/>
+              <a:t>2</a:t>
+            </a:fld>
+            <a:endParaRPr lang="en-US" dirty="0"/>
+          </a:p>
+        </p:txBody>
+      </p:sp>
+      <p:sp>
+        <p:nvSpPr>
+          <p:cNvPr id="444419" name="Slide Body"/>
+          <p:cNvSpPr>
+            <a:spLocks noGrp="1" noChangeArrowheads="1"/>
+          </p:cNvSpPr>
+          <p:nvPr>
+            <p:ph type="body" sz="quarter" idx="13"/>
+          </p:nvPr>
+        </p:nvSpPr>
+        <p:spPr>
+          <a:xfrm>
+            <a:off x="196766" y="1371604"/>
+            <a:ext cx="11781606" cy="5207396"/>
+          </a:xfrm>
+        </p:spPr>
+        <p:txBody>
+          <a:bodyPr/>
+          <a:lstStyle/>
+          <a:p>
+            <a:r>
+              <a:rPr lang="bg-BG" dirty="0"/>
+              <a:t>͏</a:t>
+            </a:r>
+            <a:r>
+              <a:rPr lang="bg-BG" b="1" dirty="0"/>
+              <a:t>Електронни таблици</a:t>
+            </a:r>
+          </a:p>
+          <a:p>
+            <a:r>
+              <a:rPr lang="bg-BG" dirty="0"/>
+              <a:t>͏</a:t>
+            </a:r>
+            <a:r>
+              <a:rPr lang="bg-BG" b="1" dirty="0"/>
+              <a:t>Елементи</a:t>
+            </a:r>
+            <a:r>
+              <a:rPr lang="bg-BG" dirty="0"/>
+              <a:t> на електронна таблица</a:t>
+            </a:r>
+          </a:p>
+          <a:p>
+            <a:r>
+              <a:rPr lang="en-US" dirty="0"/>
+              <a:t>͏</a:t>
+            </a:r>
+            <a:r>
+              <a:rPr lang="en-US" b="1" dirty="0"/>
+              <a:t>Microsoft Excel</a:t>
+            </a:r>
+          </a:p>
+          <a:p>
+            <a:r>
+              <a:rPr lang="bg-BG" dirty="0"/>
+              <a:t>͏</a:t>
+            </a:r>
+            <a:r>
+              <a:rPr lang="bg-BG" b="1" dirty="0"/>
+              <a:t>Редактиране</a:t>
+            </a:r>
+            <a:r>
+              <a:rPr lang="bg-BG" dirty="0"/>
+              <a:t> и </a:t>
+            </a:r>
+            <a:r>
+              <a:rPr lang="bg-BG" b="1" dirty="0"/>
+              <a:t>въвеждане</a:t>
+            </a:r>
+            <a:r>
+              <a:rPr lang="bg-BG" dirty="0"/>
+              <a:t> на данни</a:t>
+            </a:r>
+            <a:endParaRPr lang="en-US" dirty="0"/>
+          </a:p>
+        </p:txBody>
+      </p:sp>
+      <p:sp>
+        <p:nvSpPr>
+          <p:cNvPr id="444418" name="Slide Title"/>
+          <p:cNvSpPr>
+            <a:spLocks noGrp="1" noChangeArrowheads="1"/>
+          </p:cNvSpPr>
+          <p:nvPr>
+            <p:ph type="title"/>
+          </p:nvPr>
+        </p:nvSpPr>
+        <p:spPr>
+          <a:xfrm>
+            <a:off x="190406" y="100750"/>
+            <a:ext cx="10270594" cy="882654"/>
+          </a:xfrm>
+        </p:spPr>
+        <p:txBody>
+          <a:bodyPr/>
+          <a:lstStyle/>
+          <a:p>
+            <a:r>
+              <a:rPr lang="bg-BG"/>
+              <a:t>Съдържание</a:t>
+            </a:r>
+            <a:endParaRPr lang="bg-BG" dirty="0"/>
+          </a:p>
+        </p:txBody>
+      </p:sp>
+      <p:pic>
+        <p:nvPicPr>
+          <p:cNvPr id="4" name="Picture 3">
+            <a:extLst>
+              <a:ext uri="{FF2B5EF4-FFF2-40B4-BE49-F238E27FC236}">
+                <a16:creationId xmlns:a16="http://schemas.microsoft.com/office/drawing/2014/main" id="{8835CDFB-0E94-0132-177D-CD4B4F85BF89}"/>
+              </a:ext>
+            </a:extLst>
+          </p:cNvPr>
+          <p:cNvPicPr>
+            <a:picLocks noChangeAspect="1"/>
+          </p:cNvPicPr>
+          <p:nvPr/>
+        </p:nvPicPr>
+        <p:blipFill>
+          <a:blip r:embed="rId3">
+            <a:duotone>
+              <a:prstClr val="black"/>
+              <a:schemeClr val="accent1">
+                <a:tint val="45000"/>
+                <a:satMod val="400000"/>
+              </a:schemeClr>
+            </a:duotone>
+            <a:extLst>
+              <a:ext uri="{BEBA8EAE-BF5A-486C-A8C5-ECC9F3942E4B}">
+                <a14:imgProps xmlns:a14="http://schemas.microsoft.com/office/drawing/2010/main">
+                  <a14:imgLayer r:embed="rId4">
+                    <a14:imgEffect>
+                      <a14:brightnessContrast bright="30000"/>
+                    </a14:imgEffect>
+                  </a14:imgLayer>
+                </a14:imgProps>
+              </a:ext>
+            </a:extLst>
+          </a:blip>
+          <a:stretch>
+            <a:fillRect/>
+          </a:stretch>
+        </p:blipFill>
+        <p:spPr>
+          <a:xfrm>
+            <a:off x="10011000" y="1584000"/>
+            <a:ext cx="1581246" cy="2115000"/>
+          </a:xfrm>
+          <a:prstGeom prst="rect">
+            <a:avLst/>
+          </a:prstGeom>
+        </p:spPr>
+      </p:pic>
+    </p:spTree>
+    <p:extLst>
+      <p:ext uri="{BB962C8B-B14F-4D97-AF65-F5344CB8AC3E}">
+        <p14:creationId xmlns:p14="http://schemas.microsoft.com/office/powerpoint/2010/main" val="1646986932"/>
+      </p:ext>
+    </p:extLst>
+  </p:cSld>
+  <p:clrMapOvr>
+    <a:masterClrMapping/>
+  </p:clrMapOvr>
+  <mc:AlternateContent xmlns:mc="http://schemas.openxmlformats.org/markup-compatibility/2006" xmlns:p14="http://schemas.microsoft.com/office/powerpoint/2010/main">
+    <mc:Choice Requires="p14">
+      <p:transition spd="slow" p14:dur="2000" advClick="0" advTm="5000"/>
+    </mc:Choice>
+    <mc:Fallback xmlns="">
+      <p:transition spd="slow" advClick="0" advTm="5000"/>
+    </mc:Fallback>
+  </mc:AlternateContent>
   <p:timing>
     <p:tnLst>
       <p:par>
-        <p:cTn id="1" dur="indefinite" restart="never" nodeType="tmRoot"/>
+        <p:cTn id="1" dur="indefinite" restart="never" nodeType="tmRoot">
+          <p:childTnLst>
+            <p:seq concurrent="1" nextAc="seek">
+              <p:cTn id="2" dur="indefinite" nodeType="mainSeq">
+                <p:childTnLst>
+                  <p:par>
+                    <p:cTn id="3" fill="hold">
+                      <p:stCondLst>
+                        <p:cond delay="indefinite"/>
+                      </p:stCondLst>
+                      <p:childTnLst>
+                        <p:par>
+                          <p:cTn id="4" fill="hold">
+                            <p:stCondLst>
+                              <p:cond delay="0"/>
+                            </p:stCondLst>
+                            <p:childTnLst>
+                              <p:par>
+                                <p:cTn id="5" presetID="1" presetClass="entr" presetSubtype="0" fill="hold" nodeType="clickEffect">
+                                  <p:stCondLst>
+                                    <p:cond delay="0"/>
+                                  </p:stCondLst>
+                                  <p:childTnLst>
+                                    <p:set>
+                                      <p:cBhvr>
+                                        <p:cTn id="6" dur="1" fill="hold">
+                                          <p:stCondLst>
+                                            <p:cond delay="0"/>
+                                          </p:stCondLst>
+                                        </p:cTn>
+                                        <p:tgtEl>
+                                          <p:spTgt spid="444419">
+                                            <p:txEl>
+                                              <p:pRg st="1" end="1"/>
+                                            </p:txEl>
+                                          </p:spTgt>
+                                        </p:tgtEl>
+                                        <p:attrNameLst>
+                                          <p:attrName>style.visibility</p:attrName>
+                                        </p:attrNameLst>
+                                      </p:cBhvr>
+                                      <p:to>
+                                        <p:strVal val="visible"/>
+                                      </p:to>
+                                    </p:set>
+                                  </p:childTnLst>
+                                </p:cTn>
+                              </p:par>
+                            </p:childTnLst>
+                          </p:cTn>
+                        </p:par>
+                      </p:childTnLst>
+                    </p:cTn>
+                  </p:par>
+                  <p:par>
+                    <p:cTn id="7" fill="hold">
+                      <p:stCondLst>
+                        <p:cond delay="indefinite"/>
+                      </p:stCondLst>
+                      <p:childTnLst>
+                        <p:par>
+                          <p:cTn id="8" fill="hold">
+                            <p:stCondLst>
+                              <p:cond delay="0"/>
+                            </p:stCondLst>
+                            <p:childTnLst>
+                              <p:par>
+                                <p:cTn id="9" presetID="1" presetClass="entr" presetSubtype="0" fill="hold" nodeType="clickEffect">
+                                  <p:stCondLst>
+                                    <p:cond delay="0"/>
+                                  </p:stCondLst>
+                                  <p:childTnLst>
+                                    <p:set>
+                                      <p:cBhvr>
+                                        <p:cTn id="10" dur="1" fill="hold">
+                                          <p:stCondLst>
+                                            <p:cond delay="0"/>
+                                          </p:stCondLst>
+                                        </p:cTn>
+                                        <p:tgtEl>
+                                          <p:spTgt spid="444419">
+                                            <p:txEl>
+                                              <p:pRg st="2" end="2"/>
+                                            </p:txEl>
+                                          </p:spTgt>
+                                        </p:tgtEl>
+                                        <p:attrNameLst>
+                                          <p:attrName>style.visibility</p:attrName>
+                                        </p:attrNameLst>
+                                      </p:cBhvr>
+                                      <p:to>
+                                        <p:strVal val="visible"/>
+                                      </p:to>
+                                    </p:set>
+                                  </p:childTnLst>
+                                </p:cTn>
+                              </p:par>
+                            </p:childTnLst>
+                          </p:cTn>
+                        </p:par>
+                      </p:childTnLst>
+                    </p:cTn>
+                  </p:par>
+                  <p:par>
+                    <p:cTn id="11" fill="hold">
+                      <p:stCondLst>
+                        <p:cond delay="indefinite"/>
+                      </p:stCondLst>
+                      <p:childTnLst>
+                        <p:par>
+                          <p:cTn id="12" fill="hold">
+                            <p:stCondLst>
+                              <p:cond delay="0"/>
+                            </p:stCondLst>
+                            <p:childTnLst>
+                              <p:par>
+                                <p:cTn id="13" presetID="1" presetClass="entr" presetSubtype="0" fill="hold" nodeType="clickEffect">
+                                  <p:stCondLst>
+                                    <p:cond delay="0"/>
+                                  </p:stCondLst>
+                                  <p:childTnLst>
+                                    <p:set>
+                                      <p:cBhvr>
+                                        <p:cTn id="14" dur="1" fill="hold">
+                                          <p:stCondLst>
+                                            <p:cond delay="0"/>
+                                          </p:stCondLst>
+                                        </p:cTn>
+                                        <p:tgtEl>
+                                          <p:spTgt spid="444419">
+                                            <p:txEl>
+                                              <p:pRg st="3" end="3"/>
+                                            </p:txEl>
+                                          </p:spTgt>
+                                        </p:tgtEl>
+                                        <p:attrNameLst>
+                                          <p:attrName>style.visibility</p:attrName>
+                                        </p:attrNameLst>
+                                      </p:cBhvr>
+                                      <p:to>
+                                        <p:strVal val="visible"/>
+                                      </p:to>
+                                    </p:set>
+                                  </p:childTnLst>
+                                </p:cTn>
+                              </p:par>
+                            </p:childTnLst>
+                          </p:cTn>
+                        </p:par>
+                      </p:childTnLst>
+                    </p:cTn>
+                  </p:par>
+                </p:childTnLst>
+              </p:cTn>
+              <p:prevCondLst>
+                <p:cond evt="onPrev" delay="0">
+                  <p:tgtEl>
+                    <p:sldTgt/>
+                  </p:tgtEl>
+                </p:cond>
+              </p:prevCondLst>
+              <p:nextCondLst>
+                <p:cond evt="onNext" delay="0">
+                  <p:tgtEl>
+                    <p:sldTgt/>
+                  </p:tgtEl>
+                </p:cond>
+              </p:nextCondLst>
+            </p:seq>
+          </p:childTnLst>
+        </p:cTn>
       </p:par>
     </p:tnLst>
   </p:timing>
 </p:sld>
 </file>
 
-<file path=ppt/slides/slide19.xml><?xml version="1.0" encoding="utf-8"?>
+<file path=ppt/slides/slide20.xml><?xml version="1.0" encoding="utf-8"?>
 <p:sld xmlns:a="http://schemas.openxmlformats.org/drawingml/2006/main" xmlns:r="http://schemas.openxmlformats.org/officeDocument/2006/relationships" xmlns:p="http://schemas.openxmlformats.org/presentationml/2006/main">
   <p:cSld>
     <p:spTree>
@@ -11448,7 +12227,7 @@
             <a:fld id="{C014DD1E-5D91-48A3-AD6D-45FBA980D106}" type="slidenum">
               <a:rPr lang="en-US" smtClean="0"/>
               <a:pPr/>
-              <a:t>19</a:t>
+              <a:t>20</a:t>
             </a:fld>
             <a:endParaRPr lang="en-US" dirty="0"/>
           </a:p>
@@ -12422,507 +13201,7 @@
 </p:sld>
 </file>
 
-<file path=ppt/slides/slide2.xml><?xml version="1.0" encoding="utf-8"?>
-<p:sld xmlns:a="http://schemas.openxmlformats.org/drawingml/2006/main" xmlns:r="http://schemas.openxmlformats.org/officeDocument/2006/relationships" xmlns:p="http://schemas.openxmlformats.org/presentationml/2006/main">
-  <p:cSld>
-    <p:spTree>
-      <p:nvGrpSpPr>
-        <p:cNvPr id="1" name=""/>
-        <p:cNvGrpSpPr/>
-        <p:nvPr/>
-      </p:nvGrpSpPr>
-      <p:grpSpPr>
-        <a:xfrm>
-          <a:off x="0" y="0"/>
-          <a:ext cx="0" cy="0"/>
-          <a:chOff x="0" y="0"/>
-          <a:chExt cx="0" cy="0"/>
-        </a:xfrm>
-      </p:grpSpPr>
-      <p:sp>
-        <p:nvSpPr>
-          <p:cNvPr id="5" name="Slide Number">
-            <a:extLst>
-              <a:ext uri="{FF2B5EF4-FFF2-40B4-BE49-F238E27FC236}">
-                <a16:creationId xmlns:a16="http://schemas.microsoft.com/office/drawing/2014/main" id="{6A760D59-0056-4F39-B077-DBDBE3D2927E}"/>
-              </a:ext>
-            </a:extLst>
-          </p:cNvPr>
-          <p:cNvSpPr txBox="1">
-            <a:spLocks/>
-          </p:cNvSpPr>
-          <p:nvPr/>
-        </p:nvSpPr>
-        <p:spPr>
-          <a:xfrm>
-            <a:off x="11753030" y="6507000"/>
-            <a:ext cx="367414" cy="297000"/>
-          </a:xfrm>
-          <a:prstGeom prst="rect">
-            <a:avLst/>
-          </a:prstGeom>
-        </p:spPr>
-        <p:txBody>
-          <a:bodyPr vert="horz" lIns="91440" tIns="45720" rIns="91440" bIns="45720" rtlCol="0" anchor="b"/>
-          <a:lstStyle>
-            <a:defPPr>
-              <a:defRPr lang="en-US"/>
-            </a:defPPr>
-            <a:lvl1pPr marL="0" algn="r" defTabSz="914400" rtl="0" eaLnBrk="1" latinLnBrk="0" hangingPunct="1">
-              <a:defRPr sz="1000" kern="1200">
-                <a:solidFill>
-                  <a:schemeClr val="tx1"/>
-                </a:solidFill>
-                <a:latin typeface="+mn-lt"/>
-                <a:ea typeface="+mn-ea"/>
-                <a:cs typeface="+mn-cs"/>
-              </a:defRPr>
-            </a:lvl1pPr>
-            <a:lvl2pPr marL="457200" algn="l" defTabSz="914400" rtl="0" eaLnBrk="1" latinLnBrk="0" hangingPunct="1">
-              <a:defRPr sz="1800" kern="1200">
-                <a:solidFill>
-                  <a:schemeClr val="tx1"/>
-                </a:solidFill>
-                <a:latin typeface="+mn-lt"/>
-                <a:ea typeface="+mn-ea"/>
-                <a:cs typeface="+mn-cs"/>
-              </a:defRPr>
-            </a:lvl2pPr>
-            <a:lvl3pPr marL="914400" algn="l" defTabSz="914400" rtl="0" eaLnBrk="1" latinLnBrk="0" hangingPunct="1">
-              <a:defRPr sz="1800" kern="1200">
-                <a:solidFill>
-                  <a:schemeClr val="tx1"/>
-                </a:solidFill>
-                <a:latin typeface="+mn-lt"/>
-                <a:ea typeface="+mn-ea"/>
-                <a:cs typeface="+mn-cs"/>
-              </a:defRPr>
-            </a:lvl3pPr>
-            <a:lvl4pPr marL="1371600" algn="l" defTabSz="914400" rtl="0" eaLnBrk="1" latinLnBrk="0" hangingPunct="1">
-              <a:defRPr sz="1800" kern="1200">
-                <a:solidFill>
-                  <a:schemeClr val="tx1"/>
-                </a:solidFill>
-                <a:latin typeface="+mn-lt"/>
-                <a:ea typeface="+mn-ea"/>
-                <a:cs typeface="+mn-cs"/>
-              </a:defRPr>
-            </a:lvl4pPr>
-            <a:lvl5pPr marL="1828800" algn="l" defTabSz="914400" rtl="0" eaLnBrk="1" latinLnBrk="0" hangingPunct="1">
-              <a:defRPr sz="1800" kern="1200">
-                <a:solidFill>
-                  <a:schemeClr val="tx1"/>
-                </a:solidFill>
-                <a:latin typeface="+mn-lt"/>
-                <a:ea typeface="+mn-ea"/>
-                <a:cs typeface="+mn-cs"/>
-              </a:defRPr>
-            </a:lvl5pPr>
-            <a:lvl6pPr marL="2286000" algn="l" defTabSz="914400" rtl="0" eaLnBrk="1" latinLnBrk="0" hangingPunct="1">
-              <a:defRPr sz="1800" kern="1200">
-                <a:solidFill>
-                  <a:schemeClr val="tx1"/>
-                </a:solidFill>
-                <a:latin typeface="+mn-lt"/>
-                <a:ea typeface="+mn-ea"/>
-                <a:cs typeface="+mn-cs"/>
-              </a:defRPr>
-            </a:lvl6pPr>
-            <a:lvl7pPr marL="2743200" algn="l" defTabSz="914400" rtl="0" eaLnBrk="1" latinLnBrk="0" hangingPunct="1">
-              <a:defRPr sz="1800" kern="1200">
-                <a:solidFill>
-                  <a:schemeClr val="tx1"/>
-                </a:solidFill>
-                <a:latin typeface="+mn-lt"/>
-                <a:ea typeface="+mn-ea"/>
-                <a:cs typeface="+mn-cs"/>
-              </a:defRPr>
-            </a:lvl7pPr>
-            <a:lvl8pPr marL="3200400" algn="l" defTabSz="914400" rtl="0" eaLnBrk="1" latinLnBrk="0" hangingPunct="1">
-              <a:defRPr sz="1800" kern="1200">
-                <a:solidFill>
-                  <a:schemeClr val="tx1"/>
-                </a:solidFill>
-                <a:latin typeface="+mn-lt"/>
-                <a:ea typeface="+mn-ea"/>
-                <a:cs typeface="+mn-cs"/>
-              </a:defRPr>
-            </a:lvl8pPr>
-            <a:lvl9pPr marL="3657600" algn="l" defTabSz="914400" rtl="0" eaLnBrk="1" latinLnBrk="0" hangingPunct="1">
-              <a:defRPr sz="1800" kern="1200">
-                <a:solidFill>
-                  <a:schemeClr val="tx1"/>
-                </a:solidFill>
-                <a:latin typeface="+mn-lt"/>
-                <a:ea typeface="+mn-ea"/>
-                <a:cs typeface="+mn-cs"/>
-              </a:defRPr>
-            </a:lvl9pPr>
-          </a:lstStyle>
-          <a:p>
-            <a:fld id="{2BF067CD-8E6B-4360-9AA8-C5DF2A48A6D1}" type="slidenum">
-              <a:rPr lang="en-US" smtClean="0"/>
-              <a:pPr/>
-              <a:t>2</a:t>
-            </a:fld>
-            <a:endParaRPr lang="en-US" dirty="0"/>
-          </a:p>
-        </p:txBody>
-      </p:sp>
-      <p:sp>
-        <p:nvSpPr>
-          <p:cNvPr id="444419" name="Slide Body"/>
-          <p:cNvSpPr>
-            <a:spLocks noGrp="1" noChangeArrowheads="1"/>
-          </p:cNvSpPr>
-          <p:nvPr>
-            <p:ph type="body" sz="quarter" idx="13"/>
-          </p:nvPr>
-        </p:nvSpPr>
-        <p:spPr>
-          <a:xfrm>
-            <a:off x="196766" y="1371604"/>
-            <a:ext cx="11781606" cy="5207396"/>
-          </a:xfrm>
-        </p:spPr>
-        <p:txBody>
-          <a:bodyPr/>
-          <a:lstStyle/>
-          <a:p>
-            <a:r>
-              <a:rPr lang="bg-BG" dirty="0"/>
-              <a:t>͏</a:t>
-            </a:r>
-            <a:r>
-              <a:rPr lang="bg-BG" b="1" dirty="0"/>
-              <a:t>Електронни таблици</a:t>
-            </a:r>
-          </a:p>
-          <a:p>
-            <a:r>
-              <a:rPr lang="bg-BG" dirty="0"/>
-              <a:t>͏</a:t>
-            </a:r>
-            <a:r>
-              <a:rPr lang="bg-BG" b="1" dirty="0"/>
-              <a:t>Елементи</a:t>
-            </a:r>
-            <a:r>
-              <a:rPr lang="bg-BG" dirty="0"/>
-              <a:t> на електронна таблица</a:t>
-            </a:r>
-          </a:p>
-          <a:p>
-            <a:r>
-              <a:rPr lang="en-US" dirty="0"/>
-              <a:t>͏</a:t>
-            </a:r>
-            <a:r>
-              <a:rPr lang="en-US" b="1" dirty="0"/>
-              <a:t>Microsoft Excel</a:t>
-            </a:r>
-          </a:p>
-          <a:p>
-            <a:r>
-              <a:rPr lang="bg-BG" dirty="0"/>
-              <a:t>͏</a:t>
-            </a:r>
-            <a:r>
-              <a:rPr lang="bg-BG" b="1" dirty="0"/>
-              <a:t>Редактиране</a:t>
-            </a:r>
-            <a:r>
-              <a:rPr lang="bg-BG" dirty="0"/>
-              <a:t> и </a:t>
-            </a:r>
-            <a:r>
-              <a:rPr lang="bg-BG" b="1" dirty="0"/>
-              <a:t>въвеждане</a:t>
-            </a:r>
-            <a:r>
-              <a:rPr lang="bg-BG" dirty="0"/>
-              <a:t> на данни</a:t>
-            </a:r>
-            <a:endParaRPr lang="en-US" dirty="0"/>
-          </a:p>
-        </p:txBody>
-      </p:sp>
-      <p:sp>
-        <p:nvSpPr>
-          <p:cNvPr id="444418" name="Slide Title"/>
-          <p:cNvSpPr>
-            <a:spLocks noGrp="1" noChangeArrowheads="1"/>
-          </p:cNvSpPr>
-          <p:nvPr>
-            <p:ph type="title"/>
-          </p:nvPr>
-        </p:nvSpPr>
-        <p:spPr>
-          <a:xfrm>
-            <a:off x="190406" y="100750"/>
-            <a:ext cx="10270594" cy="882654"/>
-          </a:xfrm>
-        </p:spPr>
-        <p:txBody>
-          <a:bodyPr/>
-          <a:lstStyle/>
-          <a:p>
-            <a:r>
-              <a:rPr lang="bg-BG"/>
-              <a:t>Съдържание</a:t>
-            </a:r>
-            <a:endParaRPr lang="bg-BG" dirty="0"/>
-          </a:p>
-        </p:txBody>
-      </p:sp>
-      <p:pic>
-        <p:nvPicPr>
-          <p:cNvPr id="4" name="Picture 3">
-            <a:extLst>
-              <a:ext uri="{FF2B5EF4-FFF2-40B4-BE49-F238E27FC236}">
-                <a16:creationId xmlns:a16="http://schemas.microsoft.com/office/drawing/2014/main" id="{8835CDFB-0E94-0132-177D-CD4B4F85BF89}"/>
-              </a:ext>
-            </a:extLst>
-          </p:cNvPr>
-          <p:cNvPicPr>
-            <a:picLocks noChangeAspect="1"/>
-          </p:cNvPicPr>
-          <p:nvPr/>
-        </p:nvPicPr>
-        <p:blipFill>
-          <a:blip r:embed="rId3">
-            <a:duotone>
-              <a:prstClr val="black"/>
-              <a:schemeClr val="accent1">
-                <a:tint val="45000"/>
-                <a:satMod val="400000"/>
-              </a:schemeClr>
-            </a:duotone>
-            <a:extLst>
-              <a:ext uri="{BEBA8EAE-BF5A-486C-A8C5-ECC9F3942E4B}">
-                <a14:imgProps xmlns:a14="http://schemas.microsoft.com/office/drawing/2010/main">
-                  <a14:imgLayer r:embed="rId4">
-                    <a14:imgEffect>
-                      <a14:brightnessContrast bright="30000"/>
-                    </a14:imgEffect>
-                  </a14:imgLayer>
-                </a14:imgProps>
-              </a:ext>
-            </a:extLst>
-          </a:blip>
-          <a:stretch>
-            <a:fillRect/>
-          </a:stretch>
-        </p:blipFill>
-        <p:spPr>
-          <a:xfrm>
-            <a:off x="10011000" y="1584000"/>
-            <a:ext cx="1581246" cy="2115000"/>
-          </a:xfrm>
-          <a:prstGeom prst="rect">
-            <a:avLst/>
-          </a:prstGeom>
-        </p:spPr>
-      </p:pic>
-    </p:spTree>
-    <p:extLst>
-      <p:ext uri="{BB962C8B-B14F-4D97-AF65-F5344CB8AC3E}">
-        <p14:creationId xmlns:p14="http://schemas.microsoft.com/office/powerpoint/2010/main" val="1646986932"/>
-      </p:ext>
-    </p:extLst>
-  </p:cSld>
-  <p:clrMapOvr>
-    <a:masterClrMapping/>
-  </p:clrMapOvr>
-  <mc:AlternateContent xmlns:mc="http://schemas.openxmlformats.org/markup-compatibility/2006" xmlns:p14="http://schemas.microsoft.com/office/powerpoint/2010/main">
-    <mc:Choice Requires="p14">
-      <p:transition spd="slow" p14:dur="2000" advClick="0" advTm="5000"/>
-    </mc:Choice>
-    <mc:Fallback xmlns="">
-      <p:transition spd="slow" advClick="0" advTm="5000"/>
-    </mc:Fallback>
-  </mc:AlternateContent>
-  <p:timing>
-    <p:tnLst>
-      <p:par>
-        <p:cTn id="1" dur="indefinite" restart="never" nodeType="tmRoot">
-          <p:childTnLst>
-            <p:seq concurrent="1" nextAc="seek">
-              <p:cTn id="2" dur="indefinite" nodeType="mainSeq">
-                <p:childTnLst>
-                  <p:par>
-                    <p:cTn id="3" fill="hold">
-                      <p:stCondLst>
-                        <p:cond delay="indefinite"/>
-                      </p:stCondLst>
-                      <p:childTnLst>
-                        <p:par>
-                          <p:cTn id="4" fill="hold">
-                            <p:stCondLst>
-                              <p:cond delay="0"/>
-                            </p:stCondLst>
-                            <p:childTnLst>
-                              <p:par>
-                                <p:cTn id="5" presetID="1" presetClass="entr" presetSubtype="0" fill="hold" nodeType="clickEffect">
-                                  <p:stCondLst>
-                                    <p:cond delay="0"/>
-                                  </p:stCondLst>
-                                  <p:childTnLst>
-                                    <p:set>
-                                      <p:cBhvr>
-                                        <p:cTn id="6" dur="1" fill="hold">
-                                          <p:stCondLst>
-                                            <p:cond delay="0"/>
-                                          </p:stCondLst>
-                                        </p:cTn>
-                                        <p:tgtEl>
-                                          <p:spTgt spid="444419">
-                                            <p:txEl>
-                                              <p:pRg st="1" end="1"/>
-                                            </p:txEl>
-                                          </p:spTgt>
-                                        </p:tgtEl>
-                                        <p:attrNameLst>
-                                          <p:attrName>style.visibility</p:attrName>
-                                        </p:attrNameLst>
-                                      </p:cBhvr>
-                                      <p:to>
-                                        <p:strVal val="visible"/>
-                                      </p:to>
-                                    </p:set>
-                                  </p:childTnLst>
-                                </p:cTn>
-                              </p:par>
-                            </p:childTnLst>
-                          </p:cTn>
-                        </p:par>
-                      </p:childTnLst>
-                    </p:cTn>
-                  </p:par>
-                  <p:par>
-                    <p:cTn id="7" fill="hold">
-                      <p:stCondLst>
-                        <p:cond delay="indefinite"/>
-                      </p:stCondLst>
-                      <p:childTnLst>
-                        <p:par>
-                          <p:cTn id="8" fill="hold">
-                            <p:stCondLst>
-                              <p:cond delay="0"/>
-                            </p:stCondLst>
-                            <p:childTnLst>
-                              <p:par>
-                                <p:cTn id="9" presetID="1" presetClass="entr" presetSubtype="0" fill="hold" nodeType="clickEffect">
-                                  <p:stCondLst>
-                                    <p:cond delay="0"/>
-                                  </p:stCondLst>
-                                  <p:childTnLst>
-                                    <p:set>
-                                      <p:cBhvr>
-                                        <p:cTn id="10" dur="1" fill="hold">
-                                          <p:stCondLst>
-                                            <p:cond delay="0"/>
-                                          </p:stCondLst>
-                                        </p:cTn>
-                                        <p:tgtEl>
-                                          <p:spTgt spid="444419">
-                                            <p:txEl>
-                                              <p:pRg st="2" end="2"/>
-                                            </p:txEl>
-                                          </p:spTgt>
-                                        </p:tgtEl>
-                                        <p:attrNameLst>
-                                          <p:attrName>style.visibility</p:attrName>
-                                        </p:attrNameLst>
-                                      </p:cBhvr>
-                                      <p:to>
-                                        <p:strVal val="visible"/>
-                                      </p:to>
-                                    </p:set>
-                                  </p:childTnLst>
-                                </p:cTn>
-                              </p:par>
-                            </p:childTnLst>
-                          </p:cTn>
-                        </p:par>
-                      </p:childTnLst>
-                    </p:cTn>
-                  </p:par>
-                  <p:par>
-                    <p:cTn id="11" fill="hold">
-                      <p:stCondLst>
-                        <p:cond delay="indefinite"/>
-                      </p:stCondLst>
-                      <p:childTnLst>
-                        <p:par>
-                          <p:cTn id="12" fill="hold">
-                            <p:stCondLst>
-                              <p:cond delay="0"/>
-                            </p:stCondLst>
-                            <p:childTnLst>
-                              <p:par>
-                                <p:cTn id="13" presetID="1" presetClass="entr" presetSubtype="0" fill="hold" nodeType="clickEffect">
-                                  <p:stCondLst>
-                                    <p:cond delay="0"/>
-                                  </p:stCondLst>
-                                  <p:childTnLst>
-                                    <p:set>
-                                      <p:cBhvr>
-                                        <p:cTn id="14" dur="1" fill="hold">
-                                          <p:stCondLst>
-                                            <p:cond delay="0"/>
-                                          </p:stCondLst>
-                                        </p:cTn>
-                                        <p:tgtEl>
-                                          <p:spTgt spid="444419">
-                                            <p:txEl>
-                                              <p:pRg st="3" end="3"/>
-                                            </p:txEl>
-                                          </p:spTgt>
-                                        </p:tgtEl>
-                                        <p:attrNameLst>
-                                          <p:attrName>style.visibility</p:attrName>
-                                        </p:attrNameLst>
-                                      </p:cBhvr>
-                                      <p:to>
-                                        <p:strVal val="visible"/>
-                                      </p:to>
-                                    </p:set>
-                                  </p:childTnLst>
-                                </p:cTn>
-                              </p:par>
-                            </p:childTnLst>
-                          </p:cTn>
-                        </p:par>
-                      </p:childTnLst>
-                    </p:cTn>
-                  </p:par>
-                </p:childTnLst>
-              </p:cTn>
-              <p:prevCondLst>
-                <p:cond evt="onPrev" delay="0">
-                  <p:tgtEl>
-                    <p:sldTgt/>
-                  </p:tgtEl>
-                </p:cond>
-              </p:prevCondLst>
-              <p:nextCondLst>
-                <p:cond evt="onNext" delay="0">
-                  <p:tgtEl>
-                    <p:sldTgt/>
-                  </p:tgtEl>
-                </p:cond>
-              </p:nextCondLst>
-            </p:seq>
-          </p:childTnLst>
-        </p:cTn>
-      </p:par>
-    </p:tnLst>
-  </p:timing>
-</p:sld>
-</file>
-
-<file path=ppt/slides/slide20.xml><?xml version="1.0" encoding="utf-8"?>
+<file path=ppt/slides/slide21.xml><?xml version="1.0" encoding="utf-8"?>
 <p:sld xmlns:a="http://schemas.openxmlformats.org/drawingml/2006/main" xmlns:r="http://schemas.openxmlformats.org/officeDocument/2006/relationships" xmlns:p="http://schemas.openxmlformats.org/presentationml/2006/main">
   <p:cSld>
     <p:spTree>
@@ -13036,7 +13315,7 @@
                 <a:hlinkClick r:id="rId3">
                   <a:extLst>
                     <a:ext uri="{A12FA001-AC4F-418D-AE19-62706E023703}">
-                      <ahyp:hlinkClr xmlns="" xmlns:ahyp="http://schemas.microsoft.com/office/drawing/2018/hyperlinkcolor" val="tx"/>
+                      <ahyp:hlinkClr xmlns:ahyp="http://schemas.microsoft.com/office/drawing/2018/hyperlinkcolor" val="tx"/>
                     </a:ext>
                   </a:extLst>
                 </a:hlinkClick>
@@ -13112,7 +13391,7 @@
 </p:sld>
 </file>
 
-<file path=ppt/slides/slide21.xml><?xml version="1.0" encoding="utf-8"?>
+<file path=ppt/slides/slide22.xml><?xml version="1.0" encoding="utf-8"?>
 <p:sld xmlns:a="http://schemas.openxmlformats.org/drawingml/2006/main" xmlns:r="http://schemas.openxmlformats.org/officeDocument/2006/relationships" xmlns:p="http://schemas.openxmlformats.org/presentationml/2006/main">
   <p:cSld>
     <p:spTree>
@@ -13165,7 +13444,7 @@
             <a:fld id="{2BF067CD-8E6B-4360-9AA8-C5DF2A48A6D1}" type="slidenum">
               <a:rPr lang="en-US" smtClean="0"/>
               <a:pPr/>
-              <a:t>21</a:t>
+              <a:t>22</a:t>
             </a:fld>
             <a:endParaRPr lang="en-US" dirty="0"/>
           </a:p>
@@ -14397,13 +14676,6 @@
       <p:transition spd="slow" advClick="0" advTm="5000"/>
     </mc:Fallback>
   </mc:AlternateContent>
-  <p:timing>
-    <p:tnLst>
-      <p:par>
-        <p:cTn id="1" dur="indefinite" restart="never" nodeType="tmRoot"/>
-      </p:par>
-    </p:tnLst>
-  </p:timing>
 </p:sld>
 </file>
 

--- a/Courses/Computer-Modeling-and-IT/Computer-Modeling-and-IT-5-Class/26-Introduction-to-Spreadsheets/26-Introduction-to-Spreadsheets.pptx
+++ b/Courses/Computer-Modeling-and-IT/Computer-Modeling-and-IT-5-Class/26-Introduction-to-Spreadsheets/26-Introduction-to-Spreadsheets.pptx
@@ -297,7 +297,7 @@
           <a:p>
             <a:fld id="{4E087215-0C8F-4762-A664-737A353EC9A4}" type="datetimeFigureOut">
               <a:rPr lang="bg-BG" smtClean="0"/>
-              <a:t>18.1.2024 г.</a:t>
+              <a:t>23.2.2024 г.</a:t>
             </a:fld>
             <a:endParaRPr lang="bg-BG"/>
           </a:p>
@@ -493,7 +493,7 @@
           <a:p>
             <a:fld id="{72D84649-876A-46C9-8472-14CB09C070D8}" type="datetimeFigureOut">
               <a:rPr lang="en-US" smtClean="0"/>
-              <a:t>18-Jan-24</a:t>
+              <a:t>2/23/2024</a:t>
             </a:fld>
             <a:endParaRPr lang="en-US"/>
           </a:p>
@@ -7005,14 +7005,14 @@
       </p:sp>
       <p:pic>
         <p:nvPicPr>
-          <p:cNvPr id="4" name="Picture 3"/>
+          <p:cNvPr id="6" name="Picture 5"/>
           <p:cNvPicPr>
             <a:picLocks noChangeAspect="1"/>
           </p:cNvPicPr>
           <p:nvPr/>
         </p:nvPicPr>
         <p:blipFill>
-          <a:blip r:embed="rId4" cstate="print">
+          <a:blip r:embed="rId4">
             <a:extLst>
               <a:ext uri="{28A0092B-C50C-407E-A947-70E740481C1C}">
                 <a14:useLocalDpi xmlns:a14="http://schemas.microsoft.com/office/drawing/2010/main" val="0"/>
@@ -7025,8 +7025,8 @@
         </p:blipFill>
         <p:spPr>
           <a:xfrm>
-            <a:off x="554746" y="3040926"/>
-            <a:ext cx="1769683" cy="793698"/>
+            <a:off x="8088001" y="2546520"/>
+            <a:ext cx="3047999" cy="2833687"/>
           </a:xfrm>
           <a:prstGeom prst="rect">
             <a:avLst/>
@@ -7035,7 +7035,7 @@
       </p:pic>
       <p:pic>
         <p:nvPicPr>
-          <p:cNvPr id="6" name="Picture 5"/>
+          <p:cNvPr id="7" name="Picture 6"/>
           <p:cNvPicPr>
             <a:picLocks noChangeAspect="1"/>
           </p:cNvPicPr>
@@ -7055,8 +7055,8 @@
         </p:blipFill>
         <p:spPr>
           <a:xfrm>
-            <a:off x="8088001" y="2546520"/>
-            <a:ext cx="3047999" cy="2833687"/>
+            <a:off x="528422" y="3027115"/>
+            <a:ext cx="2110079" cy="944339"/>
           </a:xfrm>
           <a:prstGeom prst="rect">
             <a:avLst/>
@@ -13315,7 +13315,7 @@
                 <a:hlinkClick r:id="rId3">
                   <a:extLst>
                     <a:ext uri="{A12FA001-AC4F-418D-AE19-62706E023703}">
-                      <ahyp:hlinkClr xmlns:ahyp="http://schemas.microsoft.com/office/drawing/2018/hyperlinkcolor" val="tx"/>
+                      <ahyp:hlinkClr xmlns:ahyp="http://schemas.microsoft.com/office/drawing/2018/hyperlinkcolor" xmlns="" val="tx"/>
                     </a:ext>
                   </a:extLst>
                 </a:hlinkClick>

--- a/Courses/Computer-Modeling-and-IT/Computer-Modeling-and-IT-5-Class/26-Introduction-to-Spreadsheets/26-Introduction-to-Spreadsheets.pptx
+++ b/Courses/Computer-Modeling-and-IT/Computer-Modeling-and-IT-5-Class/26-Introduction-to-Spreadsheets/26-Introduction-to-Spreadsheets.pptx
@@ -297,7 +297,7 @@
           <a:p>
             <a:fld id="{4E087215-0C8F-4762-A664-737A353EC9A4}" type="datetimeFigureOut">
               <a:rPr lang="bg-BG" smtClean="0"/>
-              <a:t>23.2.2024 г.</a:t>
+              <a:t>27.02.24 г.</a:t>
             </a:fld>
             <a:endParaRPr lang="bg-BG"/>
           </a:p>
@@ -493,7 +493,7 @@
           <a:p>
             <a:fld id="{72D84649-876A-46C9-8472-14CB09C070D8}" type="datetimeFigureOut">
               <a:rPr lang="en-US" smtClean="0"/>
-              <a:t>2/23/2024</a:t>
+              <a:t>2/27/24</a:t>
             </a:fld>
             <a:endParaRPr lang="en-US"/>
           </a:p>
@@ -7055,8 +7055,8 @@
         </p:blipFill>
         <p:spPr>
           <a:xfrm>
-            <a:off x="528422" y="3027115"/>
-            <a:ext cx="2110079" cy="944339"/>
+            <a:off x="528423" y="3090890"/>
+            <a:ext cx="1967578" cy="880564"/>
           </a:xfrm>
           <a:prstGeom prst="rect">
             <a:avLst/>
@@ -7172,7 +7172,7 @@
         <p:spPr bwMode="auto">
           <a:xfrm>
             <a:off x="6276000" y="1359000"/>
-            <a:ext cx="4500000" cy="1575000"/>
+            <a:ext cx="4770000" cy="1575000"/>
           </a:xfrm>
           <a:prstGeom prst="wedgeRoundRectCallout">
             <a:avLst>
@@ -7240,6 +7240,21 @@
             <a:r>
               <a:rPr lang="en-US" sz="2800" b="1" dirty="0">
                 <a:solidFill>
+                  <a:srgbClr val="FFFFFF"/>
+                </a:solidFill>
+                <a:effectLst>
+                  <a:outerShdw blurRad="38100" dist="38100" dir="2700000" algn="tl">
+                    <a:srgbClr val="000000">
+                      <a:alpha val="43137"/>
+                    </a:srgbClr>
+                  </a:outerShdw>
+                </a:effectLst>
+              </a:rPr>
+              <a:t>[</a:t>
+            </a:r>
+            <a:r>
+              <a:rPr lang="en-US" sz="2800" b="1" dirty="0">
+                <a:solidFill>
                   <a:schemeClr val="bg1">
                     <a:lumMod val="60000"/>
                     <a:lumOff val="40000"/>
@@ -7254,6 +7269,21 @@
                 </a:effectLst>
               </a:rPr>
               <a:t>Blank workbook</a:t>
+            </a:r>
+            <a:r>
+              <a:rPr lang="en-US" sz="2800" b="1" dirty="0">
+                <a:solidFill>
+                  <a:schemeClr val="bg2"/>
+                </a:solidFill>
+                <a:effectLst>
+                  <a:outerShdw blurRad="38100" dist="38100" dir="2700000" algn="tl">
+                    <a:srgbClr val="000000">
+                      <a:alpha val="43137"/>
+                    </a:srgbClr>
+                  </a:outerShdw>
+                </a:effectLst>
+              </a:rPr>
+              <a:t>]</a:t>
             </a:r>
           </a:p>
         </p:txBody>
@@ -13315,7 +13345,7 @@
                 <a:hlinkClick r:id="rId3">
                   <a:extLst>
                     <a:ext uri="{A12FA001-AC4F-418D-AE19-62706E023703}">
-                      <ahyp:hlinkClr xmlns:ahyp="http://schemas.microsoft.com/office/drawing/2018/hyperlinkcolor" xmlns="" val="tx"/>
+                      <ahyp:hlinkClr xmlns:ahyp="http://schemas.microsoft.com/office/drawing/2018/hyperlinkcolor" val="tx"/>
                     </a:ext>
                   </a:extLst>
                 </a:hlinkClick>
@@ -14977,15 +15007,33 @@
                                   </p:childTnLst>
                                 </p:cTn>
                               </p:par>
+                            </p:childTnLst>
+                          </p:cTn>
+                        </p:par>
+                      </p:childTnLst>
+                    </p:cTn>
+                  </p:par>
+                  <p:par>
+                    <p:cTn id="7" fill="hold">
+                      <p:stCondLst>
+                        <p:cond delay="indefinite"/>
+                      </p:stCondLst>
+                      <p:childTnLst>
+                        <p:par>
+                          <p:cTn id="8" fill="hold">
+                            <p:stCondLst>
+                              <p:cond delay="0"/>
+                            </p:stCondLst>
+                            <p:childTnLst>
                               <p:par>
-                                <p:cTn id="7" presetID="1" presetClass="entr" presetSubtype="0" fill="hold" nodeType="withEffect">
+                                <p:cTn id="9" presetID="1" presetClass="entr" presetSubtype="0" fill="hold" nodeType="clickEffect">
                                   <p:stCondLst>
                                     <p:cond delay="0"/>
                                   </p:stCondLst>
                                   <p:childTnLst>
                                     <p:set>
                                       <p:cBhvr>
-                                        <p:cTn id="8" dur="1" fill="hold">
+                                        <p:cTn id="10" dur="1" fill="hold">
                                           <p:stCondLst>
                                             <p:cond delay="0"/>
                                           </p:stCondLst>
@@ -15015,50 +15063,19 @@
                     </p:cTn>
                   </p:par>
                   <p:par>
-                    <p:cTn id="9" fill="hold">
+                    <p:cTn id="11" fill="hold">
                       <p:stCondLst>
                         <p:cond delay="indefinite"/>
                       </p:stCondLst>
                       <p:childTnLst>
                         <p:par>
-                          <p:cTn id="10" fill="hold">
+                          <p:cTn id="12" fill="hold">
                             <p:stCondLst>
                               <p:cond delay="0"/>
                             </p:stCondLst>
                             <p:childTnLst>
                               <p:par>
-                                <p:cTn id="11" presetID="1" presetClass="entr" presetSubtype="0" fill="hold" nodeType="clickEffect">
-                                  <p:stCondLst>
-                                    <p:cond delay="0"/>
-                                  </p:stCondLst>
-                                  <p:childTnLst>
-                                    <p:set>
-                                      <p:cBhvr>
-                                        <p:cTn id="12" dur="1" fill="hold">
-                                          <p:stCondLst>
-                                            <p:cond delay="0"/>
-                                          </p:stCondLst>
-                                        </p:cTn>
-                                        <p:tgtEl>
-                                          <p:spTgt spid="12">
-                                            <p:txEl>
-                                              <p:pRg st="3" end="3"/>
-                                            </p:txEl>
-                                          </p:spTgt>
-                                        </p:tgtEl>
-                                        <p:attrNameLst>
-                                          <p:attrName>style.visibility</p:attrName>
-                                        </p:attrNameLst>
-                                      </p:cBhvr>
-                                      <p:to>
-                                        <p:strVal val="visible"/>
-                                      </p:to>
-                                    </p:set>
-                                  </p:childTnLst>
-                                </p:cTn>
-                              </p:par>
-                              <p:par>
-                                <p:cTn id="13" presetID="1" presetClass="entr" presetSubtype="0" fill="hold" nodeType="withEffect">
+                                <p:cTn id="13" presetID="1" presetClass="entr" presetSubtype="0" fill="hold" nodeType="clickEffect">
                                   <p:stCondLst>
                                     <p:cond delay="0"/>
                                   </p:stCondLst>
@@ -15073,7 +15090,7 @@
                                         <p:tgtEl>
                                           <p:spTgt spid="12">
                                             <p:txEl>
-                                              <p:pRg st="4" end="4"/>
+                                              <p:pRg st="3" end="3"/>
                                             </p:txEl>
                                           </p:spTgt>
                                         </p:tgtEl>
@@ -15115,6 +15132,55 @@
                                     <p:set>
                                       <p:cBhvr>
                                         <p:cTn id="18" dur="1" fill="hold">
+                                          <p:stCondLst>
+                                            <p:cond delay="0"/>
+                                          </p:stCondLst>
+                                        </p:cTn>
+                                        <p:tgtEl>
+                                          <p:spTgt spid="12">
+                                            <p:txEl>
+                                              <p:pRg st="4" end="4"/>
+                                            </p:txEl>
+                                          </p:spTgt>
+                                        </p:tgtEl>
+                                        <p:attrNameLst>
+                                          <p:attrName>style.visibility</p:attrName>
+                                        </p:attrNameLst>
+                                      </p:cBhvr>
+                                      <p:to>
+                                        <p:strVal val="visible"/>
+                                      </p:to>
+                                    </p:set>
+                                  </p:childTnLst>
+                                </p:cTn>
+                              </p:par>
+                            </p:childTnLst>
+                          </p:cTn>
+                        </p:par>
+                      </p:childTnLst>
+                    </p:cTn>
+                  </p:par>
+                  <p:par>
+                    <p:cTn id="19" fill="hold">
+                      <p:stCondLst>
+                        <p:cond delay="indefinite"/>
+                      </p:stCondLst>
+                      <p:childTnLst>
+                        <p:par>
+                          <p:cTn id="20" fill="hold">
+                            <p:stCondLst>
+                              <p:cond delay="0"/>
+                            </p:stCondLst>
+                            <p:childTnLst>
+                              <p:par>
+                                <p:cTn id="21" presetID="1" presetClass="entr" presetSubtype="0" fill="hold" nodeType="clickEffect">
+                                  <p:stCondLst>
+                                    <p:cond delay="0"/>
+                                  </p:stCondLst>
+                                  <p:childTnLst>
+                                    <p:set>
+                                      <p:cBhvr>
+                                        <p:cTn id="22" dur="1" fill="hold">
                                           <p:stCondLst>
                                             <p:cond delay="0"/>
                                           </p:stCondLst>

--- a/Courses/Computer-Modeling-and-IT/Computer-Modeling-and-IT-5-Class/26-Introduction-to-Spreadsheets/26-Introduction-to-Spreadsheets.pptx
+++ b/Courses/Computer-Modeling-and-IT/Computer-Modeling-and-IT-5-Class/26-Introduction-to-Spreadsheets/26-Introduction-to-Spreadsheets.pptx
@@ -297,7 +297,7 @@
           <a:p>
             <a:fld id="{4E087215-0C8F-4762-A664-737A353EC9A4}" type="datetimeFigureOut">
               <a:rPr lang="bg-BG" smtClean="0"/>
-              <a:t>27.02.24 г.</a:t>
+              <a:t>27.2.2024 г.</a:t>
             </a:fld>
             <a:endParaRPr lang="bg-BG"/>
           </a:p>
@@ -493,7 +493,7 @@
           <a:p>
             <a:fld id="{72D84649-876A-46C9-8472-14CB09C070D8}" type="datetimeFigureOut">
               <a:rPr lang="en-US" smtClean="0"/>
-              <a:t>2/27/24</a:t>
+              <a:t>2/27/2024</a:t>
             </a:fld>
             <a:endParaRPr lang="en-US"/>
           </a:p>
@@ -8760,13 +8760,13 @@
               </a:ext>
             </a:extLst>
           </a:blip>
-          <a:srcRect b="3735"/>
+          <a:srcRect l="-1" r="47466" b="52346"/>
           <a:stretch/>
         </p:blipFill>
         <p:spPr>
           <a:xfrm>
-            <a:off x="437033" y="1269000"/>
-            <a:ext cx="11315027" cy="5386500"/>
+            <a:off x="378073" y="1377000"/>
+            <a:ext cx="11435854" cy="5130000"/>
           </a:xfrm>
           <a:prstGeom prst="rect">
             <a:avLst/>
@@ -8838,7 +8838,7 @@
         </p:nvSpPr>
         <p:spPr bwMode="auto">
           <a:xfrm>
-            <a:off x="1416000" y="2979000"/>
+            <a:off x="1641000" y="3384000"/>
             <a:ext cx="5715000" cy="1665000"/>
           </a:xfrm>
           <a:prstGeom prst="wedgeRoundRectCallout">
@@ -8996,157 +8996,6 @@
                   </a:srgbClr>
                 </a:outerShdw>
               </a:effectLst>
-            </a:endParaRPr>
-          </a:p>
-        </p:txBody>
-      </p:sp>
-      <p:sp>
-        <p:nvSpPr>
-          <p:cNvPr id="8" name="Rectangle: Rounded Corners 7">
-            <a:extLst>
-              <a:ext uri="{FF2B5EF4-FFF2-40B4-BE49-F238E27FC236}">
-                <a16:creationId xmlns:a16="http://schemas.microsoft.com/office/drawing/2014/main" id="{ADB06530-C73C-BD0B-B4F5-7E1717798D87}"/>
-              </a:ext>
-            </a:extLst>
-          </p:cNvPr>
-          <p:cNvSpPr/>
-          <p:nvPr/>
-        </p:nvSpPr>
-        <p:spPr bwMode="auto">
-          <a:xfrm>
-            <a:off x="7356000" y="3159000"/>
-            <a:ext cx="4009403" cy="2655000"/>
-          </a:xfrm>
-          <a:prstGeom prst="roundRect">
-            <a:avLst/>
-          </a:prstGeom>
-          <a:solidFill>
-            <a:schemeClr val="dk2">
-              <a:alpha val="80000"/>
-            </a:schemeClr>
-          </a:solidFill>
-          <a:ln w="19050">
-            <a:solidFill>
-              <a:schemeClr val="tx1">
-                <a:lumMod val="75000"/>
-                <a:alpha val="80000"/>
-              </a:schemeClr>
-            </a:solidFill>
-          </a:ln>
-          <a:effectLst/>
-        </p:spPr>
-        <p:style>
-          <a:lnRef idx="2">
-            <a:schemeClr val="accent1">
-              <a:shade val="50000"/>
-            </a:schemeClr>
-          </a:lnRef>
-          <a:fillRef idx="1001">
-            <a:schemeClr val="dk2"/>
-          </a:fillRef>
-          <a:effectRef idx="0">
-            <a:schemeClr val="accent1"/>
-          </a:effectRef>
-          <a:fontRef idx="minor">
-            <a:schemeClr val="lt1"/>
-          </a:fontRef>
-        </p:style>
-        <p:txBody>
-          <a:bodyPr rot="0" spcFirstLastPara="0" vertOverflow="overflow" horzOverflow="overflow" vert="horz" wrap="square" lIns="91440" tIns="45720" rIns="91440" bIns="45720" numCol="1" spcCol="0" rtlCol="0" fromWordArt="0" anchor="ctr" anchorCtr="0" forceAA="0" compatLnSpc="1">
-            <a:prstTxWarp prst="textNoShape">
-              <a:avLst/>
-            </a:prstTxWarp>
-            <a:noAutofit/>
-          </a:bodyPr>
-          <a:lstStyle/>
-          <a:p>
-            <a:pPr algn="ctr"/>
-            <a:r>
-              <a:rPr lang="en-US" sz="4000" b="1" dirty="0">
-                <a:solidFill>
-                  <a:schemeClr val="tx1"/>
-                </a:solidFill>
-                <a:effectLst>
-                  <a:outerShdw blurRad="38100" dist="38100" dir="2700000" algn="tl">
-                    <a:srgbClr val="000000">
-                      <a:alpha val="43137"/>
-                    </a:srgbClr>
-                  </a:outerShdw>
-                </a:effectLst>
-                <a:highlight>
-                  <a:srgbClr val="FFFF00"/>
-                </a:highlight>
-              </a:rPr>
-              <a:t>TODO: </a:t>
-            </a:r>
-            <a:r>
-              <a:rPr lang="bg-BG" sz="4000" b="1" dirty="0">
-                <a:solidFill>
-                  <a:schemeClr val="tx1"/>
-                </a:solidFill>
-                <a:effectLst>
-                  <a:outerShdw blurRad="38100" dist="38100" dir="2700000" algn="tl">
-                    <a:srgbClr val="000000">
-                      <a:alpha val="43137"/>
-                    </a:srgbClr>
-                  </a:outerShdw>
-                </a:effectLst>
-                <a:highlight>
-                  <a:srgbClr val="FFFF00"/>
-                </a:highlight>
-              </a:rPr>
-              <a:t>да се </a:t>
-            </a:r>
-            <a:r>
-              <a:rPr lang="en-US" sz="4000" b="1" dirty="0">
-                <a:solidFill>
-                  <a:schemeClr val="tx1"/>
-                </a:solidFill>
-                <a:effectLst>
-                  <a:outerShdw blurRad="38100" dist="38100" dir="2700000" algn="tl">
-                    <a:srgbClr val="000000">
-                      <a:alpha val="43137"/>
-                    </a:srgbClr>
-                  </a:outerShdw>
-                </a:effectLst>
-                <a:highlight>
-                  <a:srgbClr val="FFFF00"/>
-                </a:highlight>
-              </a:rPr>
-              <a:t>crop</a:t>
-            </a:r>
-            <a:r>
-              <a:rPr lang="bg-BG" sz="4000" b="1" dirty="0">
-                <a:solidFill>
-                  <a:schemeClr val="tx1"/>
-                </a:solidFill>
-                <a:effectLst>
-                  <a:outerShdw blurRad="38100" dist="38100" dir="2700000" algn="tl">
-                    <a:srgbClr val="000000">
-                      <a:alpha val="43137"/>
-                    </a:srgbClr>
-                  </a:outerShdw>
-                </a:effectLst>
-                <a:highlight>
-                  <a:srgbClr val="FFFF00"/>
-                </a:highlight>
-              </a:rPr>
-              <a:t>-не картинката, за да е по-едра</a:t>
-            </a:r>
-            <a:endParaRPr lang="en-US" sz="4000" b="1" dirty="0">
-              <a:solidFill>
-                <a:schemeClr val="tx1"/>
-              </a:solidFill>
-              <a:effectLst>
-                <a:outerShdw blurRad="38100" dist="38100" dir="2700000" algn="tl">
-                  <a:srgbClr val="000000">
-                    <a:alpha val="43137"/>
-                  </a:srgbClr>
-                </a:outerShdw>
-              </a:effectLst>
-              <a:highlight>
-                <a:srgbClr val="FFFF00"/>
-              </a:highlight>
             </a:endParaRPr>
           </a:p>
         </p:txBody>
@@ -9343,6 +9192,13 @@
       <p:transition spd="slow" advClick="0" advTm="5000"/>
     </mc:Fallback>
   </mc:AlternateContent>
+  <p:timing>
+    <p:tnLst>
+      <p:par>
+        <p:cTn id="1" dur="indefinite" restart="never" nodeType="tmRoot"/>
+      </p:par>
+    </p:tnLst>
+  </p:timing>
 </p:sld>
 </file>
 
@@ -10187,53 +10043,6 @@
       </p:sp>
       <p:sp>
         <p:nvSpPr>
-          <p:cNvPr id="3" name="Text Placeholder 2">
-            <a:extLst>
-              <a:ext uri="{FF2B5EF4-FFF2-40B4-BE49-F238E27FC236}">
-                <a16:creationId xmlns:a16="http://schemas.microsoft.com/office/drawing/2014/main" id="{3432CF1E-9524-59A4-5CCF-FA33F0A19862}"/>
-              </a:ext>
-            </a:extLst>
-          </p:cNvPr>
-          <p:cNvSpPr>
-            <a:spLocks noGrp="1"/>
-          </p:cNvSpPr>
-          <p:nvPr>
-            <p:ph type="body" sz="quarter" idx="10"/>
-          </p:nvPr>
-        </p:nvSpPr>
-        <p:spPr/>
-        <p:txBody>
-          <a:bodyPr>
-            <a:normAutofit/>
-          </a:bodyPr>
-          <a:lstStyle/>
-          <a:p>
-            <a:r>
-              <a:rPr lang="en-US" sz="5400" dirty="0">
-                <a:highlight>
-                  <a:srgbClr val="FFFF00"/>
-                </a:highlight>
-              </a:rPr>
-              <a:t>TODO: </a:t>
-            </a:r>
-            <a:r>
-              <a:rPr lang="bg-BG" sz="5400" dirty="0">
-                <a:highlight>
-                  <a:srgbClr val="FFFF00"/>
-                </a:highlight>
-              </a:rPr>
-              <a:t>анимация за действията от предния слайд</a:t>
-            </a:r>
-            <a:endParaRPr lang="en-US" sz="5400" dirty="0">
-              <a:highlight>
-                <a:srgbClr val="FFFF00"/>
-              </a:highlight>
-            </a:endParaRPr>
-          </a:p>
-        </p:txBody>
-      </p:sp>
-      <p:sp>
-        <p:nvSpPr>
           <p:cNvPr id="4" name="Title 3">
             <a:extLst>
               <a:ext uri="{FF2B5EF4-FFF2-40B4-BE49-F238E27FC236}">
@@ -10253,10 +10062,67 @@
           <a:bodyPr/>
           <a:lstStyle/>
           <a:p>
-            <a:endParaRPr lang="en-US"/>
+            <a:r>
+              <a:rPr lang="bg-BG" sz="4000" dirty="0"/>
+              <a:t>Маркиране на </a:t>
+            </a:r>
+            <a:r>
+              <a:rPr lang="bg-BG" sz="4000" dirty="0" smtClean="0"/>
+              <a:t>клетки</a:t>
+            </a:r>
+            <a:r>
+              <a:rPr lang="en-US" sz="4000" dirty="0" smtClean="0"/>
+              <a:t> – </a:t>
+            </a:r>
+            <a:r>
+              <a:rPr lang="bg-BG" sz="4000" dirty="0"/>
+              <a:t>в</a:t>
+            </a:r>
+            <a:r>
+              <a:rPr lang="bg-BG" sz="4000" dirty="0" smtClean="0"/>
+              <a:t>идео</a:t>
+            </a:r>
+            <a:endParaRPr lang="en-US" dirty="0"/>
           </a:p>
         </p:txBody>
       </p:sp>
+      <p:pic>
+        <p:nvPicPr>
+          <p:cNvPr id="5" name="Picture 4"/>
+          <p:cNvPicPr>
+            <a:picLocks noChangeAspect="1"/>
+          </p:cNvPicPr>
+          <p:nvPr/>
+        </p:nvPicPr>
+        <p:blipFill>
+          <a:blip r:embed="rId2">
+            <a:extLst>
+              <a:ext uri="{28A0092B-C50C-407E-A947-70E740481C1C}">
+                <a14:useLocalDpi xmlns:a14="http://schemas.microsoft.com/office/drawing/2010/main" val="0"/>
+              </a:ext>
+            </a:extLst>
+          </a:blip>
+          <a:stretch>
+            <a:fillRect/>
+          </a:stretch>
+        </p:blipFill>
+        <p:spPr>
+          <a:xfrm>
+            <a:off x="229872" y="1584000"/>
+            <a:ext cx="11732257" cy="4698000"/>
+          </a:xfrm>
+          <a:prstGeom prst="rect">
+            <a:avLst/>
+          </a:prstGeom>
+          <a:ln>
+            <a:solidFill>
+              <a:schemeClr val="bg2">
+                <a:lumMod val="75000"/>
+              </a:schemeClr>
+            </a:solidFill>
+          </a:ln>
+        </p:spPr>
+      </p:pic>
     </p:spTree>
     <p:extLst>
       <p:ext uri="{BB962C8B-B14F-4D97-AF65-F5344CB8AC3E}">
@@ -10275,6 +10141,13 @@
       <p:transition spd="slow" advClick="0" advTm="5000"/>
     </mc:Fallback>
   </mc:AlternateContent>
+  <p:timing>
+    <p:tnLst>
+      <p:par>
+        <p:cTn id="1" dur="indefinite" restart="never" nodeType="tmRoot"/>
+      </p:par>
+    </p:tnLst>
+  </p:timing>
 </p:sld>
 </file>
 
@@ -13345,7 +13218,7 @@
                 <a:hlinkClick r:id="rId3">
                   <a:extLst>
                     <a:ext uri="{A12FA001-AC4F-418D-AE19-62706E023703}">
-                      <ahyp:hlinkClr xmlns:ahyp="http://schemas.microsoft.com/office/drawing/2018/hyperlinkcolor" val="tx"/>
+                      <ahyp:hlinkClr xmlns:ahyp="http://schemas.microsoft.com/office/drawing/2018/hyperlinkcolor" xmlns="" val="tx"/>
                     </a:ext>
                   </a:extLst>
                 </a:hlinkClick>

--- a/Courses/Computer-Modeling-and-IT/Computer-Modeling-and-IT-5-Class/26-Introduction-to-Spreadsheets/26-Introduction-to-Spreadsheets.pptx
+++ b/Courses/Computer-Modeling-and-IT/Computer-Modeling-and-IT-5-Class/26-Introduction-to-Spreadsheets/26-Introduction-to-Spreadsheets.pptx
@@ -297,7 +297,7 @@
           <a:p>
             <a:fld id="{4E087215-0C8F-4762-A664-737A353EC9A4}" type="datetimeFigureOut">
               <a:rPr lang="bg-BG" smtClean="0"/>
-              <a:t>27.2.2024 г.</a:t>
+              <a:t>27.02.24 г.</a:t>
             </a:fld>
             <a:endParaRPr lang="bg-BG"/>
           </a:p>
@@ -493,7 +493,7 @@
           <a:p>
             <a:fld id="{72D84649-876A-46C9-8472-14CB09C070D8}" type="datetimeFigureOut">
               <a:rPr lang="en-US" smtClean="0"/>
-              <a:t>2/27/2024</a:t>
+              <a:t>2/27/24</a:t>
             </a:fld>
             <a:endParaRPr lang="en-US"/>
           </a:p>
@@ -9192,13 +9192,6 @@
       <p:transition spd="slow" advClick="0" advTm="5000"/>
     </mc:Fallback>
   </mc:AlternateContent>
-  <p:timing>
-    <p:tnLst>
-      <p:par>
-        <p:cTn id="1" dur="indefinite" restart="never" nodeType="tmRoot"/>
-      </p:par>
-    </p:tnLst>
-  </p:timing>
 </p:sld>
 </file>
 
@@ -10064,23 +10057,15 @@
           <a:p>
             <a:r>
               <a:rPr lang="bg-BG" sz="4000" dirty="0"/>
-              <a:t>Маркиране на </a:t>
-            </a:r>
-            <a:r>
-              <a:rPr lang="bg-BG" sz="4000" dirty="0" smtClean="0"/>
-              <a:t>клетки</a:t>
-            </a:r>
-            <a:r>
-              <a:rPr lang="en-US" sz="4000" dirty="0" smtClean="0"/>
+              <a:t>Маркиране на клетки</a:t>
+            </a:r>
+            <a:r>
+              <a:rPr lang="en-US" sz="4000" dirty="0"/>
               <a:t> – </a:t>
             </a:r>
             <a:r>
               <a:rPr lang="bg-BG" sz="4000" dirty="0"/>
-              <a:t>в</a:t>
-            </a:r>
-            <a:r>
-              <a:rPr lang="bg-BG" sz="4000" dirty="0" smtClean="0"/>
-              <a:t>идео</a:t>
+              <a:t>видео</a:t>
             </a:r>
             <a:endParaRPr lang="en-US" dirty="0"/>
           </a:p>
@@ -10141,13 +10126,6 @@
       <p:transition spd="slow" advClick="0" advTm="5000"/>
     </mc:Fallback>
   </mc:AlternateContent>
-  <p:timing>
-    <p:tnLst>
-      <p:par>
-        <p:cTn id="1" dur="indefinite" restart="never" nodeType="tmRoot"/>
-      </p:par>
-    </p:tnLst>
-  </p:timing>
 </p:sld>
 </file>
 
@@ -13218,7 +13196,7 @@
                 <a:hlinkClick r:id="rId3">
                   <a:extLst>
                     <a:ext uri="{A12FA001-AC4F-418D-AE19-62706E023703}">
-                      <ahyp:hlinkClr xmlns:ahyp="http://schemas.microsoft.com/office/drawing/2018/hyperlinkcolor" xmlns="" val="tx"/>
+                      <ahyp:hlinkClr xmlns:ahyp="http://schemas.microsoft.com/office/drawing/2018/hyperlinkcolor" val="tx"/>
                     </a:ext>
                   </a:extLst>
                 </a:hlinkClick>

--- a/Courses/Computer-Modeling-and-IT/Computer-Modeling-and-IT-5-Class/26-Introduction-to-Spreadsheets/26-Introduction-to-Spreadsheets.pptx
+++ b/Courses/Computer-Modeling-and-IT/Computer-Modeling-and-IT-5-Class/26-Introduction-to-Spreadsheets/26-Introduction-to-Spreadsheets.pptx
@@ -297,7 +297,7 @@
           <a:p>
             <a:fld id="{4E087215-0C8F-4762-A664-737A353EC9A4}" type="datetimeFigureOut">
               <a:rPr lang="bg-BG" smtClean="0"/>
-              <a:t>27.02.24 г.</a:t>
+              <a:t>4.1.2025 г.</a:t>
             </a:fld>
             <a:endParaRPr lang="bg-BG"/>
           </a:p>
@@ -493,7 +493,7 @@
           <a:p>
             <a:fld id="{72D84649-876A-46C9-8472-14CB09C070D8}" type="datetimeFigureOut">
               <a:rPr lang="en-US" smtClean="0"/>
-              <a:t>2/27/24</a:t>
+              <a:t>1/4/2025</a:t>
             </a:fld>
             <a:endParaRPr lang="en-US"/>
           </a:p>
@@ -7101,55 +7101,30 @@
           <a:chExt cx="0" cy="0"/>
         </a:xfrm>
       </p:grpSpPr>
-      <p:sp>
-        <p:nvSpPr>
-          <p:cNvPr id="4" name="Title 3"/>
-          <p:cNvSpPr>
-            <a:spLocks noGrp="1"/>
-          </p:cNvSpPr>
-          <p:nvPr>
-            <p:ph type="title"/>
-          </p:nvPr>
-        </p:nvSpPr>
-        <p:spPr/>
-        <p:txBody>
-          <a:bodyPr/>
-          <a:lstStyle/>
-          <a:p>
-            <a:r>
-              <a:rPr lang="bg-BG" dirty="0"/>
-              <a:t>Създаване на ел. таблица в </a:t>
-            </a:r>
-            <a:r>
-              <a:rPr lang="en-US" dirty="0"/>
-              <a:t>Excel</a:t>
-            </a:r>
-          </a:p>
-        </p:txBody>
-      </p:sp>
       <p:pic>
         <p:nvPicPr>
-          <p:cNvPr id="6" name="Picture 5"/>
+          <p:cNvPr id="3" name="Picture 2">
+            <a:extLst>
+              <a:ext uri="{FF2B5EF4-FFF2-40B4-BE49-F238E27FC236}">
+                <a16:creationId xmlns:a16="http://schemas.microsoft.com/office/drawing/2014/main" id="{760A6DEC-A196-8710-CA67-258261BB2EBF}"/>
+              </a:ext>
+            </a:extLst>
+          </p:cNvPr>
           <p:cNvPicPr>
             <a:picLocks noChangeAspect="1"/>
           </p:cNvPicPr>
           <p:nvPr/>
         </p:nvPicPr>
-        <p:blipFill rotWithShape="1">
-          <a:blip r:embed="rId2">
-            <a:extLst>
-              <a:ext uri="{28A0092B-C50C-407E-A947-70E740481C1C}">
-                <a14:useLocalDpi xmlns:a14="http://schemas.microsoft.com/office/drawing/2010/main" val="0"/>
-              </a:ext>
-            </a:extLst>
-          </a:blip>
-          <a:srcRect b="12014"/>
-          <a:stretch/>
+        <p:blipFill>
+          <a:blip r:embed="rId2"/>
+          <a:stretch>
+            <a:fillRect/>
+          </a:stretch>
         </p:blipFill>
         <p:spPr>
           <a:xfrm>
-            <a:off x="438000" y="1269000"/>
-            <a:ext cx="11316000" cy="5387908"/>
+            <a:off x="1378337" y="1224000"/>
+            <a:ext cx="9435327" cy="5446516"/>
           </a:xfrm>
           <a:prstGeom prst="rect">
             <a:avLst/>
@@ -7165,19 +7140,45 @@
       </p:pic>
       <p:sp>
         <p:nvSpPr>
+          <p:cNvPr id="4" name="Title 3"/>
+          <p:cNvSpPr>
+            <a:spLocks noGrp="1"/>
+          </p:cNvSpPr>
+          <p:nvPr>
+            <p:ph type="title"/>
+          </p:nvPr>
+        </p:nvSpPr>
+        <p:spPr/>
+        <p:txBody>
+          <a:bodyPr/>
+          <a:lstStyle/>
+          <a:p>
+            <a:r>
+              <a:rPr lang="bg-BG" dirty="0"/>
+              <a:t>Създаване на ел. таблица в </a:t>
+            </a:r>
+            <a:r>
+              <a:rPr lang="en-US" dirty="0"/>
+              <a:t>Excel</a:t>
+            </a:r>
+          </a:p>
+        </p:txBody>
+      </p:sp>
+      <p:sp>
+        <p:nvSpPr>
           <p:cNvPr id="7" name="Rounded Rectangular Callout 6"/>
           <p:cNvSpPr/>
           <p:nvPr/>
         </p:nvSpPr>
         <p:spPr bwMode="auto">
           <a:xfrm>
-            <a:off x="6276000" y="1359000"/>
+            <a:off x="6321000" y="1359000"/>
             <a:ext cx="4770000" cy="1575000"/>
           </a:xfrm>
           <a:prstGeom prst="wedgeRoundRectCallout">
             <a:avLst>
-              <a:gd name="adj1" fmla="val -69408"/>
-              <a:gd name="adj2" fmla="val 48124"/>
+              <a:gd name="adj1" fmla="val -87392"/>
+              <a:gd name="adj2" fmla="val 49321"/>
               <a:gd name="adj3" fmla="val 16667"/>
             </a:avLst>
           </a:prstGeom>
@@ -7306,6 +7307,84 @@
       <p:transition spd="slow" advClick="0" advTm="5000"/>
     </mc:Fallback>
   </mc:AlternateContent>
+  <p:timing>
+    <p:tnLst>
+      <p:par>
+        <p:cTn id="1" dur="indefinite" restart="never" nodeType="tmRoot">
+          <p:childTnLst>
+            <p:seq concurrent="1" nextAc="seek">
+              <p:cTn id="2" dur="indefinite" nodeType="mainSeq">
+                <p:childTnLst>
+                  <p:par>
+                    <p:cTn id="3" fill="hold">
+                      <p:stCondLst>
+                        <p:cond delay="indefinite"/>
+                      </p:stCondLst>
+                      <p:childTnLst>
+                        <p:par>
+                          <p:cTn id="4" fill="hold">
+                            <p:stCondLst>
+                              <p:cond delay="0"/>
+                            </p:stCondLst>
+                            <p:childTnLst>
+                              <p:par>
+                                <p:cTn id="5" presetID="1" presetClass="entr" presetSubtype="0" fill="hold" grpId="0" nodeType="clickEffect">
+                                  <p:stCondLst>
+                                    <p:cond delay="0"/>
+                                  </p:stCondLst>
+                                  <p:childTnLst>
+                                    <p:set>
+                                      <p:cBhvr>
+                                        <p:cTn id="6" dur="1" fill="hold">
+                                          <p:stCondLst>
+                                            <p:cond delay="0"/>
+                                          </p:stCondLst>
+                                        </p:cTn>
+                                        <p:tgtEl>
+                                          <p:spTgt spid="7"/>
+                                        </p:tgtEl>
+                                        <p:attrNameLst>
+                                          <p:attrName>style.visibility</p:attrName>
+                                        </p:attrNameLst>
+                                      </p:cBhvr>
+                                      <p:to>
+                                        <p:strVal val="visible"/>
+                                      </p:to>
+                                    </p:set>
+                                  </p:childTnLst>
+                                </p:cTn>
+                              </p:par>
+                            </p:childTnLst>
+                          </p:cTn>
+                        </p:par>
+                      </p:childTnLst>
+                    </p:cTn>
+                  </p:par>
+                </p:childTnLst>
+              </p:cTn>
+              <p:prevCondLst>
+                <p:cond evt="onPrev" delay="0">
+                  <p:tgtEl>
+                    <p:sldTgt/>
+                  </p:tgtEl>
+                </p:cond>
+              </p:prevCondLst>
+              <p:nextCondLst>
+                <p:cond evt="onNext" delay="0">
+                  <p:tgtEl>
+                    <p:sldTgt/>
+                  </p:tgtEl>
+                </p:cond>
+              </p:nextCondLst>
+            </p:seq>
+          </p:childTnLst>
+        </p:cTn>
+      </p:par>
+    </p:tnLst>
+    <p:bldLst>
+      <p:bldP spid="7" grpId="0" animBg="1"/>
+    </p:bldLst>
+  </p:timing>
 </p:sld>
 </file>
 
@@ -7328,27 +7407,28 @@
       </p:grpSpPr>
       <p:pic>
         <p:nvPicPr>
-          <p:cNvPr id="23" name="Picture 22"/>
+          <p:cNvPr id="6" name="Picture 5">
+            <a:extLst>
+              <a:ext uri="{FF2B5EF4-FFF2-40B4-BE49-F238E27FC236}">
+                <a16:creationId xmlns:a16="http://schemas.microsoft.com/office/drawing/2014/main" id="{71C6AE05-5CD4-2E73-E461-7AD413924255}"/>
+              </a:ext>
+            </a:extLst>
+          </p:cNvPr>
           <p:cNvPicPr>
             <a:picLocks noChangeAspect="1"/>
           </p:cNvPicPr>
           <p:nvPr/>
         </p:nvPicPr>
-        <p:blipFill rotWithShape="1">
-          <a:blip r:embed="rId2">
-            <a:extLst>
-              <a:ext uri="{28A0092B-C50C-407E-A947-70E740481C1C}">
-                <a14:useLocalDpi xmlns:a14="http://schemas.microsoft.com/office/drawing/2010/main" val="0"/>
-              </a:ext>
-            </a:extLst>
-          </a:blip>
-          <a:srcRect b="3967"/>
-          <a:stretch/>
+        <p:blipFill>
+          <a:blip r:embed="rId2"/>
+          <a:stretch>
+            <a:fillRect/>
+          </a:stretch>
         </p:blipFill>
         <p:spPr>
           <a:xfrm>
-            <a:off x="437999" y="1269000"/>
-            <a:ext cx="11316001" cy="5387908"/>
+            <a:off x="1378336" y="1224000"/>
+            <a:ext cx="9557133" cy="5516828"/>
           </a:xfrm>
           <a:prstGeom prst="rect">
             <a:avLst/>
@@ -7509,8 +7589,8 @@
         </p:nvSpPr>
         <p:spPr bwMode="auto">
           <a:xfrm>
-            <a:off x="1236000" y="2093639"/>
-            <a:ext cx="10517030" cy="135410"/>
+            <a:off x="3216000" y="2799000"/>
+            <a:ext cx="7650000" cy="180000"/>
           </a:xfrm>
           <a:prstGeom prst="rect">
             <a:avLst/>
@@ -7518,9 +7598,7 @@
           <a:noFill/>
           <a:ln w="38100">
             <a:solidFill>
-              <a:schemeClr val="bg1">
-                <a:lumMod val="60000"/>
-                <a:lumOff val="40000"/>
+              <a:schemeClr val="tx1">
                 <a:alpha val="80000"/>
               </a:schemeClr>
             </a:solidFill>
@@ -7576,7 +7654,7 @@
         </p:nvSpPr>
         <p:spPr bwMode="auto">
           <a:xfrm>
-            <a:off x="8057169" y="2823761"/>
+            <a:off x="8481000" y="3639328"/>
             <a:ext cx="3336549" cy="686171"/>
           </a:xfrm>
           <a:prstGeom prst="wedgeRoundRectCallout">
@@ -7665,8 +7743,8 @@
         </p:nvSpPr>
         <p:spPr bwMode="auto">
           <a:xfrm>
-            <a:off x="1009692" y="6403837"/>
-            <a:ext cx="779674" cy="174659"/>
+            <a:off x="2271000" y="6249065"/>
+            <a:ext cx="1170000" cy="346278"/>
           </a:xfrm>
           <a:prstGeom prst="rect">
             <a:avLst/>
@@ -7674,9 +7752,7 @@
           <a:noFill/>
           <a:ln w="38100">
             <a:solidFill>
-              <a:schemeClr val="bg1">
-                <a:lumMod val="60000"/>
-                <a:lumOff val="40000"/>
+              <a:schemeClr val="tx1">
                 <a:alpha val="80000"/>
               </a:schemeClr>
             </a:solidFill>
@@ -7732,13 +7808,13 @@
         </p:nvSpPr>
         <p:spPr bwMode="auto">
           <a:xfrm>
-            <a:off x="2914366" y="5499000"/>
+            <a:off x="3846000" y="5454000"/>
             <a:ext cx="2461634" cy="686171"/>
           </a:xfrm>
           <a:prstGeom prst="wedgeRoundRectCallout">
             <a:avLst>
-              <a:gd name="adj1" fmla="val -93376"/>
-              <a:gd name="adj2" fmla="val 81238"/>
+              <a:gd name="adj1" fmla="val -60687"/>
+              <a:gd name="adj2" fmla="val 89234"/>
               <a:gd name="adj3" fmla="val 16667"/>
             </a:avLst>
           </a:prstGeom>
@@ -7821,13 +7897,13 @@
         </p:nvSpPr>
         <p:spPr bwMode="auto">
           <a:xfrm>
-            <a:off x="921000" y="3150499"/>
+            <a:off x="2013629" y="3681853"/>
             <a:ext cx="2700000" cy="686171"/>
           </a:xfrm>
           <a:prstGeom prst="wedgeRoundRectCallout">
             <a:avLst>
-              <a:gd name="adj1" fmla="val -48447"/>
-              <a:gd name="adj2" fmla="val -133250"/>
+              <a:gd name="adj1" fmla="val -47400"/>
+              <a:gd name="adj2" fmla="val -103026"/>
               <a:gd name="adj3" fmla="val 16667"/>
             </a:avLst>
           </a:prstGeom>
@@ -7910,13 +7986,13 @@
         </p:nvSpPr>
         <p:spPr bwMode="auto">
           <a:xfrm>
-            <a:off x="4588613" y="3151196"/>
+            <a:off x="4890639" y="3778555"/>
             <a:ext cx="3108274" cy="610707"/>
           </a:xfrm>
           <a:prstGeom prst="wedgeRoundRectCallout">
             <a:avLst>
-              <a:gd name="adj1" fmla="val -42642"/>
-              <a:gd name="adj2" fmla="val -155025"/>
+              <a:gd name="adj1" fmla="val -38699"/>
+              <a:gd name="adj2" fmla="val -145763"/>
               <a:gd name="adj3" fmla="val 16667"/>
             </a:avLst>
           </a:prstGeom>
@@ -7999,13 +8075,13 @@
         </p:nvSpPr>
         <p:spPr bwMode="auto">
           <a:xfrm>
-            <a:off x="1083343" y="4445754"/>
+            <a:off x="2013629" y="4562137"/>
             <a:ext cx="2978948" cy="637994"/>
           </a:xfrm>
           <a:prstGeom prst="wedgeRoundRectCallout">
             <a:avLst>
-              <a:gd name="adj1" fmla="val -61241"/>
-              <a:gd name="adj2" fmla="val -38064"/>
+              <a:gd name="adj1" fmla="val -64055"/>
+              <a:gd name="adj2" fmla="val -42045"/>
               <a:gd name="adj3" fmla="val 16667"/>
             </a:avLst>
           </a:prstGeom>
@@ -8065,140 +8141,6 @@
               </a:rPr>
               <a:t>Етикет на ред</a:t>
             </a:r>
-            <a:endParaRPr lang="en-US" sz="2800" b="1" dirty="0">
-              <a:solidFill>
-                <a:srgbClr val="FFFFFF"/>
-              </a:solidFill>
-              <a:effectLst>
-                <a:outerShdw blurRad="38100" dist="38100" dir="2700000" algn="tl">
-                  <a:srgbClr val="000000">
-                    <a:alpha val="43137"/>
-                  </a:srgbClr>
-                </a:outerShdw>
-              </a:effectLst>
-            </a:endParaRPr>
-          </a:p>
-        </p:txBody>
-      </p:sp>
-      <p:sp>
-        <p:nvSpPr>
-          <p:cNvPr id="21" name="Rectangle 20"/>
-          <p:cNvSpPr/>
-          <p:nvPr/>
-        </p:nvSpPr>
-        <p:spPr bwMode="auto">
-          <a:xfrm>
-            <a:off x="441290" y="4445127"/>
-            <a:ext cx="246000" cy="174659"/>
-          </a:xfrm>
-          <a:prstGeom prst="rect">
-            <a:avLst/>
-          </a:prstGeom>
-          <a:noFill/>
-          <a:ln w="38100">
-            <a:solidFill>
-              <a:schemeClr val="bg1">
-                <a:lumMod val="60000"/>
-                <a:lumOff val="40000"/>
-                <a:alpha val="80000"/>
-              </a:schemeClr>
-            </a:solidFill>
-          </a:ln>
-          <a:effectLst/>
-        </p:spPr>
-        <p:style>
-          <a:lnRef idx="2">
-            <a:schemeClr val="accent1">
-              <a:shade val="50000"/>
-            </a:schemeClr>
-          </a:lnRef>
-          <a:fillRef idx="1001">
-            <a:schemeClr val="dk2"/>
-          </a:fillRef>
-          <a:effectRef idx="0">
-            <a:schemeClr val="accent1"/>
-          </a:effectRef>
-          <a:fontRef idx="minor">
-            <a:schemeClr val="lt1"/>
-          </a:fontRef>
-        </p:style>
-        <p:txBody>
-          <a:bodyPr rot="0" spcFirstLastPara="0" vertOverflow="overflow" horzOverflow="overflow" vert="horz" wrap="square" lIns="91440" tIns="45720" rIns="91440" bIns="45720" numCol="1" spcCol="0" rtlCol="0" fromWordArt="0" anchor="ctr" anchorCtr="0" forceAA="0" compatLnSpc="1">
-            <a:prstTxWarp prst="textNoShape">
-              <a:avLst/>
-            </a:prstTxWarp>
-            <a:noAutofit/>
-          </a:bodyPr>
-          <a:lstStyle/>
-          <a:p>
-            <a:pPr algn="ctr"/>
-            <a:endParaRPr lang="en-US" sz="2800" b="1" dirty="0">
-              <a:solidFill>
-                <a:srgbClr val="FFFFFF"/>
-              </a:solidFill>
-              <a:effectLst>
-                <a:outerShdw blurRad="38100" dist="38100" dir="2700000" algn="tl">
-                  <a:srgbClr val="000000">
-                    <a:alpha val="43137"/>
-                  </a:srgbClr>
-                </a:outerShdw>
-              </a:effectLst>
-            </a:endParaRPr>
-          </a:p>
-        </p:txBody>
-      </p:sp>
-      <p:sp>
-        <p:nvSpPr>
-          <p:cNvPr id="22" name="Rectangle 21"/>
-          <p:cNvSpPr/>
-          <p:nvPr/>
-        </p:nvSpPr>
-        <p:spPr bwMode="auto">
-          <a:xfrm>
-            <a:off x="4305639" y="2269697"/>
-            <a:ext cx="585000" cy="199042"/>
-          </a:xfrm>
-          <a:prstGeom prst="rect">
-            <a:avLst/>
-          </a:prstGeom>
-          <a:noFill/>
-          <a:ln w="38100">
-            <a:solidFill>
-              <a:schemeClr val="bg1">
-                <a:lumMod val="60000"/>
-                <a:lumOff val="40000"/>
-                <a:alpha val="80000"/>
-              </a:schemeClr>
-            </a:solidFill>
-          </a:ln>
-          <a:effectLst/>
-        </p:spPr>
-        <p:style>
-          <a:lnRef idx="2">
-            <a:schemeClr val="accent1">
-              <a:shade val="50000"/>
-            </a:schemeClr>
-          </a:lnRef>
-          <a:fillRef idx="1001">
-            <a:schemeClr val="dk2"/>
-          </a:fillRef>
-          <a:effectRef idx="0">
-            <a:schemeClr val="accent1"/>
-          </a:effectRef>
-          <a:fontRef idx="minor">
-            <a:schemeClr val="lt1"/>
-          </a:fontRef>
-        </p:style>
-        <p:txBody>
-          <a:bodyPr rot="0" spcFirstLastPara="0" vertOverflow="overflow" horzOverflow="overflow" vert="horz" wrap="square" lIns="91440" tIns="45720" rIns="91440" bIns="45720" numCol="1" spcCol="0" rtlCol="0" fromWordArt="0" anchor="ctr" anchorCtr="0" forceAA="0" compatLnSpc="1">
-            <a:prstTxWarp prst="textNoShape">
-              <a:avLst/>
-            </a:prstTxWarp>
-            <a:noAutofit/>
-          </a:bodyPr>
-          <a:lstStyle/>
-          <a:p>
-            <a:pPr algn="ctr"/>
             <a:endParaRPr lang="en-US" sz="2800" b="1" dirty="0">
               <a:solidFill>
                 <a:srgbClr val="FFFFFF"/>
@@ -8536,7 +8478,7 @@
                                           </p:stCondLst>
                                         </p:cTn>
                                         <p:tgtEl>
-                                          <p:spTgt spid="22"/>
+                                          <p:spTgt spid="19"/>
                                         </p:tgtEl>
                                         <p:attrNameLst>
                                           <p:attrName>style.visibility</p:attrName>
@@ -8576,96 +8518,6 @@
                                     <p:set>
                                       <p:cBhvr>
                                         <p:cTn id="34" dur="1" fill="hold">
-                                          <p:stCondLst>
-                                            <p:cond delay="0"/>
-                                          </p:stCondLst>
-                                        </p:cTn>
-                                        <p:tgtEl>
-                                          <p:spTgt spid="19"/>
-                                        </p:tgtEl>
-                                        <p:attrNameLst>
-                                          <p:attrName>style.visibility</p:attrName>
-                                        </p:attrNameLst>
-                                      </p:cBhvr>
-                                      <p:to>
-                                        <p:strVal val="visible"/>
-                                      </p:to>
-                                    </p:set>
-                                  </p:childTnLst>
-                                </p:cTn>
-                              </p:par>
-                            </p:childTnLst>
-                          </p:cTn>
-                        </p:par>
-                      </p:childTnLst>
-                    </p:cTn>
-                  </p:par>
-                  <p:par>
-                    <p:cTn id="35" fill="hold">
-                      <p:stCondLst>
-                        <p:cond delay="indefinite"/>
-                      </p:stCondLst>
-                      <p:childTnLst>
-                        <p:par>
-                          <p:cTn id="36" fill="hold">
-                            <p:stCondLst>
-                              <p:cond delay="0"/>
-                            </p:stCondLst>
-                            <p:childTnLst>
-                              <p:par>
-                                <p:cTn id="37" presetID="1" presetClass="entr" presetSubtype="0" fill="hold" grpId="0" nodeType="clickEffect">
-                                  <p:stCondLst>
-                                    <p:cond delay="0"/>
-                                  </p:stCondLst>
-                                  <p:childTnLst>
-                                    <p:set>
-                                      <p:cBhvr>
-                                        <p:cTn id="38" dur="1" fill="hold">
-                                          <p:stCondLst>
-                                            <p:cond delay="0"/>
-                                          </p:stCondLst>
-                                        </p:cTn>
-                                        <p:tgtEl>
-                                          <p:spTgt spid="21"/>
-                                        </p:tgtEl>
-                                        <p:attrNameLst>
-                                          <p:attrName>style.visibility</p:attrName>
-                                        </p:attrNameLst>
-                                      </p:cBhvr>
-                                      <p:to>
-                                        <p:strVal val="visible"/>
-                                      </p:to>
-                                    </p:set>
-                                  </p:childTnLst>
-                                </p:cTn>
-                              </p:par>
-                            </p:childTnLst>
-                          </p:cTn>
-                        </p:par>
-                      </p:childTnLst>
-                    </p:cTn>
-                  </p:par>
-                  <p:par>
-                    <p:cTn id="39" fill="hold">
-                      <p:stCondLst>
-                        <p:cond delay="indefinite"/>
-                      </p:stCondLst>
-                      <p:childTnLst>
-                        <p:par>
-                          <p:cTn id="40" fill="hold">
-                            <p:stCondLst>
-                              <p:cond delay="0"/>
-                            </p:stCondLst>
-                            <p:childTnLst>
-                              <p:par>
-                                <p:cTn id="41" presetID="1" presetClass="entr" presetSubtype="0" fill="hold" grpId="0" nodeType="clickEffect">
-                                  <p:stCondLst>
-                                    <p:cond delay="0"/>
-                                  </p:stCondLst>
-                                  <p:childTnLst>
-                                    <p:set>
-                                      <p:cBhvr>
-                                        <p:cTn id="42" dur="1" fill="hold">
                                           <p:stCondLst>
                                             <p:cond delay="0"/>
                                           </p:stCondLst>
@@ -8720,8 +8572,6 @@
       <p:bldP spid="18" grpId="0" animBg="1"/>
       <p:bldP spid="19" grpId="0" animBg="1"/>
       <p:bldP spid="20" grpId="0" animBg="1"/>
-      <p:bldP spid="21" grpId="0" animBg="1"/>
-      <p:bldP spid="22" grpId="0" animBg="1"/>
     </p:bldLst>
   </p:timing>
 </p:sld>
@@ -8746,27 +8596,27 @@
       </p:grpSpPr>
       <p:pic>
         <p:nvPicPr>
-          <p:cNvPr id="7" name="Picture 6"/>
+          <p:cNvPr id="3" name="Picture 2">
+            <a:extLst>
+              <a:ext uri="{FF2B5EF4-FFF2-40B4-BE49-F238E27FC236}">
+                <a16:creationId xmlns:a16="http://schemas.microsoft.com/office/drawing/2014/main" id="{1B3C709E-66B6-F1ED-DCA7-279590CAB079}"/>
+              </a:ext>
+            </a:extLst>
+          </p:cNvPr>
           <p:cNvPicPr>
             <a:picLocks noChangeAspect="1"/>
           </p:cNvPicPr>
           <p:nvPr/>
         </p:nvPicPr>
-        <p:blipFill rotWithShape="1">
-          <a:blip r:embed="rId2">
-            <a:extLst>
-              <a:ext uri="{28A0092B-C50C-407E-A947-70E740481C1C}">
-                <a14:useLocalDpi xmlns:a14="http://schemas.microsoft.com/office/drawing/2010/main" val="0"/>
-              </a:ext>
-            </a:extLst>
-          </a:blip>
-          <a:srcRect l="-1" r="47466" b="52346"/>
+        <p:blipFill>
+          <a:blip r:embed="rId2"/>
+          <a:srcRect r="19243" b="19317"/>
           <a:stretch/>
         </p:blipFill>
         <p:spPr>
           <a:xfrm>
-            <a:off x="378073" y="1377000"/>
-            <a:ext cx="11435854" cy="5130000"/>
+            <a:off x="1341122" y="1224000"/>
+            <a:ext cx="9594347" cy="5533250"/>
           </a:xfrm>
           <a:prstGeom prst="rect">
             <a:avLst/>
@@ -8838,8 +8688,8 @@
         </p:nvSpPr>
         <p:spPr bwMode="auto">
           <a:xfrm>
-            <a:off x="1641000" y="3384000"/>
-            <a:ext cx="5715000" cy="1665000"/>
+            <a:off x="2631000" y="3414782"/>
+            <a:ext cx="6390000" cy="1620000"/>
           </a:xfrm>
           <a:prstGeom prst="wedgeRoundRectCallout">
             <a:avLst>
@@ -10073,7 +9923,13 @@
       </p:sp>
       <p:pic>
         <p:nvPicPr>
-          <p:cNvPr id="5" name="Picture 4"/>
+          <p:cNvPr id="6" name="Picture 5">
+            <a:extLst>
+              <a:ext uri="{FF2B5EF4-FFF2-40B4-BE49-F238E27FC236}">
+                <a16:creationId xmlns:a16="http://schemas.microsoft.com/office/drawing/2014/main" id="{449898A4-0AA3-A239-FE0A-C22882B31176}"/>
+              </a:ext>
+            </a:extLst>
+          </p:cNvPr>
           <p:cNvPicPr>
             <a:picLocks noChangeAspect="1"/>
           </p:cNvPicPr>
@@ -10093,8 +9949,8 @@
         </p:blipFill>
         <p:spPr>
           <a:xfrm>
-            <a:off x="229872" y="1584000"/>
-            <a:ext cx="11732257" cy="4698000"/>
+            <a:off x="948524" y="1247150"/>
+            <a:ext cx="10294951" cy="5421471"/>
           </a:xfrm>
           <a:prstGeom prst="rect">
             <a:avLst/>
@@ -10540,43 +10396,6 @@
           </a:p>
         </p:txBody>
       </p:sp>
-      <p:pic>
-        <p:nvPicPr>
-          <p:cNvPr id="5" name="Picture 4"/>
-          <p:cNvPicPr>
-            <a:picLocks noChangeAspect="1"/>
-          </p:cNvPicPr>
-          <p:nvPr/>
-        </p:nvPicPr>
-        <p:blipFill>
-          <a:blip r:embed="rId2">
-            <a:extLst>
-              <a:ext uri="{28A0092B-C50C-407E-A947-70E740481C1C}">
-                <a14:useLocalDpi xmlns:a14="http://schemas.microsoft.com/office/drawing/2010/main" val="0"/>
-              </a:ext>
-            </a:extLst>
-          </a:blip>
-          <a:stretch>
-            <a:fillRect/>
-          </a:stretch>
-        </p:blipFill>
-        <p:spPr>
-          <a:xfrm>
-            <a:off x="696000" y="1255500"/>
-            <a:ext cx="10424423" cy="5531325"/>
-          </a:xfrm>
-          <a:prstGeom prst="rect">
-            <a:avLst/>
-          </a:prstGeom>
-          <a:ln>
-            <a:solidFill>
-              <a:schemeClr val="bg2">
-                <a:lumMod val="75000"/>
-              </a:schemeClr>
-            </a:solidFill>
-          </a:ln>
-        </p:spPr>
-      </p:pic>
       <p:sp>
         <p:nvSpPr>
           <p:cNvPr id="7" name="Rectangle 6"/>
@@ -10640,6 +10459,49 @@
           </a:p>
         </p:txBody>
       </p:sp>
+      <p:pic>
+        <p:nvPicPr>
+          <p:cNvPr id="6" name="Picture 5" descr="A screenshot of a computer&#10;&#10;Description automatically generated">
+            <a:extLst>
+              <a:ext uri="{FF2B5EF4-FFF2-40B4-BE49-F238E27FC236}">
+                <a16:creationId xmlns:a16="http://schemas.microsoft.com/office/drawing/2014/main" id="{3EF82611-DD56-94E8-A9B8-4BF2F5FF3D21}"/>
+              </a:ext>
+            </a:extLst>
+          </p:cNvPr>
+          <p:cNvPicPr>
+            <a:picLocks noChangeAspect="1"/>
+          </p:cNvPicPr>
+          <p:nvPr/>
+        </p:nvPicPr>
+        <p:blipFill>
+          <a:blip r:embed="rId2">
+            <a:extLst>
+              <a:ext uri="{28A0092B-C50C-407E-A947-70E740481C1C}">
+                <a14:useLocalDpi xmlns:a14="http://schemas.microsoft.com/office/drawing/2010/main" val="0"/>
+              </a:ext>
+            </a:extLst>
+          </a:blip>
+          <a:stretch>
+            <a:fillRect/>
+          </a:stretch>
+        </p:blipFill>
+        <p:spPr>
+          <a:xfrm>
+            <a:off x="772913" y="1266290"/>
+            <a:ext cx="10270594" cy="5408645"/>
+          </a:xfrm>
+          <a:prstGeom prst="rect">
+            <a:avLst/>
+          </a:prstGeom>
+          <a:ln>
+            <a:solidFill>
+              <a:schemeClr val="bg2">
+                <a:lumMod val="75000"/>
+              </a:schemeClr>
+            </a:solidFill>
+          </a:ln>
+        </p:spPr>
+      </p:pic>
     </p:spTree>
     <p:extLst>
       <p:ext uri="{BB962C8B-B14F-4D97-AF65-F5344CB8AC3E}">
@@ -11225,43 +11087,6 @@
           </a:p>
         </p:txBody>
       </p:sp>
-      <p:pic>
-        <p:nvPicPr>
-          <p:cNvPr id="6" name="Picture 5"/>
-          <p:cNvPicPr>
-            <a:picLocks noChangeAspect="1"/>
-          </p:cNvPicPr>
-          <p:nvPr/>
-        </p:nvPicPr>
-        <p:blipFill>
-          <a:blip r:embed="rId2">
-            <a:extLst>
-              <a:ext uri="{28A0092B-C50C-407E-A947-70E740481C1C}">
-                <a14:useLocalDpi xmlns:a14="http://schemas.microsoft.com/office/drawing/2010/main" val="0"/>
-              </a:ext>
-            </a:extLst>
-          </a:blip>
-          <a:stretch>
-            <a:fillRect/>
-          </a:stretch>
-        </p:blipFill>
-        <p:spPr>
-          <a:xfrm>
-            <a:off x="695999" y="1255500"/>
-            <a:ext cx="10424424" cy="5536781"/>
-          </a:xfrm>
-          <a:prstGeom prst="rect">
-            <a:avLst/>
-          </a:prstGeom>
-          <a:ln>
-            <a:solidFill>
-              <a:schemeClr val="bg2">
-                <a:lumMod val="75000"/>
-              </a:schemeClr>
-            </a:solidFill>
-          </a:ln>
-        </p:spPr>
-      </p:pic>
       <p:sp>
         <p:nvSpPr>
           <p:cNvPr id="7" name="Rectangle 6"/>
@@ -11325,6 +11150,49 @@
           </a:p>
         </p:txBody>
       </p:sp>
+      <p:pic>
+        <p:nvPicPr>
+          <p:cNvPr id="5" name="Picture 4" descr="A screenshot of a computer&#10;&#10;Description automatically generated">
+            <a:extLst>
+              <a:ext uri="{FF2B5EF4-FFF2-40B4-BE49-F238E27FC236}">
+                <a16:creationId xmlns:a16="http://schemas.microsoft.com/office/drawing/2014/main" id="{E3CF41E4-D70E-83DB-4913-719EC2743422}"/>
+              </a:ext>
+            </a:extLst>
+          </p:cNvPr>
+          <p:cNvPicPr>
+            <a:picLocks noChangeAspect="1"/>
+          </p:cNvPicPr>
+          <p:nvPr/>
+        </p:nvPicPr>
+        <p:blipFill>
+          <a:blip r:embed="rId2">
+            <a:extLst>
+              <a:ext uri="{28A0092B-C50C-407E-A947-70E740481C1C}">
+                <a14:useLocalDpi xmlns:a14="http://schemas.microsoft.com/office/drawing/2010/main" val="0"/>
+              </a:ext>
+            </a:extLst>
+          </a:blip>
+          <a:stretch>
+            <a:fillRect/>
+          </a:stretch>
+        </p:blipFill>
+        <p:spPr>
+          <a:xfrm>
+            <a:off x="959085" y="1303001"/>
+            <a:ext cx="10273830" cy="5410349"/>
+          </a:xfrm>
+          <a:prstGeom prst="rect">
+            <a:avLst/>
+          </a:prstGeom>
+          <a:ln>
+            <a:solidFill>
+              <a:schemeClr val="bg2">
+                <a:lumMod val="75000"/>
+              </a:schemeClr>
+            </a:solidFill>
+          </a:ln>
+        </p:spPr>
+      </p:pic>
     </p:spTree>
     <p:extLst>
       <p:ext uri="{BB962C8B-B14F-4D97-AF65-F5344CB8AC3E}">
@@ -12824,15 +12692,33 @@
                                   </p:childTnLst>
                                 </p:cTn>
                               </p:par>
+                            </p:childTnLst>
+                          </p:cTn>
+                        </p:par>
+                      </p:childTnLst>
+                    </p:cTn>
+                  </p:par>
+                  <p:par>
+                    <p:cTn id="7" fill="hold">
+                      <p:stCondLst>
+                        <p:cond delay="indefinite"/>
+                      </p:stCondLst>
+                      <p:childTnLst>
+                        <p:par>
+                          <p:cTn id="8" fill="hold">
+                            <p:stCondLst>
+                              <p:cond delay="0"/>
+                            </p:stCondLst>
+                            <p:childTnLst>
                               <p:par>
-                                <p:cTn id="7" presetID="1" presetClass="entr" presetSubtype="0" fill="hold" nodeType="withEffect">
+                                <p:cTn id="9" presetID="1" presetClass="entr" presetSubtype="0" fill="hold" nodeType="clickEffect">
                                   <p:stCondLst>
                                     <p:cond delay="0"/>
                                   </p:stCondLst>
                                   <p:childTnLst>
                                     <p:set>
                                       <p:cBhvr>
-                                        <p:cTn id="8" dur="1" fill="hold">
+                                        <p:cTn id="10" dur="1" fill="hold">
                                           <p:stCondLst>
                                             <p:cond delay="0"/>
                                           </p:stCondLst>
@@ -12862,26 +12748,26 @@
                     </p:cTn>
                   </p:par>
                   <p:par>
-                    <p:cTn id="9" fill="hold">
+                    <p:cTn id="11" fill="hold">
                       <p:stCondLst>
                         <p:cond delay="indefinite"/>
                       </p:stCondLst>
                       <p:childTnLst>
                         <p:par>
-                          <p:cTn id="10" fill="hold">
+                          <p:cTn id="12" fill="hold">
                             <p:stCondLst>
                               <p:cond delay="0"/>
                             </p:stCondLst>
                             <p:childTnLst>
                               <p:par>
-                                <p:cTn id="11" presetID="1" presetClass="entr" presetSubtype="0" fill="hold" nodeType="clickEffect">
+                                <p:cTn id="13" presetID="1" presetClass="entr" presetSubtype="0" fill="hold" nodeType="clickEffect">
                                   <p:stCondLst>
                                     <p:cond delay="0"/>
                                   </p:stCondLst>
                                   <p:childTnLst>
                                     <p:set>
                                       <p:cBhvr>
-                                        <p:cTn id="12" dur="1" fill="hold">
+                                        <p:cTn id="14" dur="1" fill="hold">
                                           <p:stCondLst>
                                             <p:cond delay="0"/>
                                           </p:stCondLst>
@@ -12911,26 +12797,26 @@
                     </p:cTn>
                   </p:par>
                   <p:par>
-                    <p:cTn id="13" fill="hold">
+                    <p:cTn id="15" fill="hold">
                       <p:stCondLst>
                         <p:cond delay="indefinite"/>
                       </p:stCondLst>
                       <p:childTnLst>
                         <p:par>
-                          <p:cTn id="14" fill="hold">
+                          <p:cTn id="16" fill="hold">
                             <p:stCondLst>
                               <p:cond delay="0"/>
                             </p:stCondLst>
                             <p:childTnLst>
                               <p:par>
-                                <p:cTn id="15" presetID="1" presetClass="entr" presetSubtype="0" fill="hold" nodeType="clickEffect">
+                                <p:cTn id="17" presetID="1" presetClass="entr" presetSubtype="0" fill="hold" nodeType="clickEffect">
                                   <p:stCondLst>
                                     <p:cond delay="0"/>
                                   </p:stCondLst>
                                   <p:childTnLst>
                                     <p:set>
                                       <p:cBhvr>
-                                        <p:cTn id="16" dur="1" fill="hold">
+                                        <p:cTn id="18" dur="1" fill="hold">
                                           <p:stCondLst>
                                             <p:cond delay="0"/>
                                           </p:stCondLst>
@@ -12960,26 +12846,26 @@
                     </p:cTn>
                   </p:par>
                   <p:par>
-                    <p:cTn id="17" fill="hold">
+                    <p:cTn id="19" fill="hold">
                       <p:stCondLst>
                         <p:cond delay="indefinite"/>
                       </p:stCondLst>
                       <p:childTnLst>
                         <p:par>
-                          <p:cTn id="18" fill="hold">
+                          <p:cTn id="20" fill="hold">
                             <p:stCondLst>
                               <p:cond delay="0"/>
                             </p:stCondLst>
                             <p:childTnLst>
                               <p:par>
-                                <p:cTn id="19" presetID="1" presetClass="entr" presetSubtype="0" fill="hold" nodeType="clickEffect">
+                                <p:cTn id="21" presetID="1" presetClass="entr" presetSubtype="0" fill="hold" nodeType="clickEffect">
                                   <p:stCondLst>
                                     <p:cond delay="0"/>
                                   </p:stCondLst>
                                   <p:childTnLst>
                                     <p:set>
                                       <p:cBhvr>
-                                        <p:cTn id="20" dur="1" fill="hold">
+                                        <p:cTn id="22" dur="1" fill="hold">
                                           <p:stCondLst>
                                             <p:cond delay="0"/>
                                           </p:stCondLst>
@@ -13009,26 +12895,26 @@
                     </p:cTn>
                   </p:par>
                   <p:par>
-                    <p:cTn id="21" fill="hold">
+                    <p:cTn id="23" fill="hold">
                       <p:stCondLst>
                         <p:cond delay="indefinite"/>
                       </p:stCondLst>
                       <p:childTnLst>
                         <p:par>
-                          <p:cTn id="22" fill="hold">
+                          <p:cTn id="24" fill="hold">
                             <p:stCondLst>
                               <p:cond delay="0"/>
                             </p:stCondLst>
                             <p:childTnLst>
                               <p:par>
-                                <p:cTn id="23" presetID="1" presetClass="entr" presetSubtype="0" fill="hold" nodeType="clickEffect">
+                                <p:cTn id="25" presetID="1" presetClass="entr" presetSubtype="0" fill="hold" nodeType="clickEffect">
                                   <p:stCondLst>
                                     <p:cond delay="0"/>
                                   </p:stCondLst>
                                   <p:childTnLst>
                                     <p:set>
                                       <p:cBhvr>
-                                        <p:cTn id="24" dur="1" fill="hold">
+                                        <p:cTn id="26" dur="1" fill="hold">
                                           <p:stCondLst>
                                             <p:cond delay="0"/>
                                           </p:stCondLst>
@@ -13273,7 +13159,7 @@
 </file>
 
 <file path=ppt/slides/slide22.xml><?xml version="1.0" encoding="utf-8"?>
-<p:sld xmlns:a="http://schemas.openxmlformats.org/drawingml/2006/main" xmlns:r="http://schemas.openxmlformats.org/officeDocument/2006/relationships" xmlns:p="http://schemas.openxmlformats.org/presentationml/2006/main">
+<p:sld xmlns:a="http://schemas.openxmlformats.org/drawingml/2006/main" xmlns:r="http://schemas.openxmlformats.org/officeDocument/2006/relationships" xmlns:p="http://schemas.openxmlformats.org/presentationml/2006/main" show="0">
   <p:cSld>
     <p:spTree>
       <p:nvGrpSpPr>
@@ -13644,11 +13530,11 @@
   <p:clrMapOvr>
     <a:masterClrMapping/>
   </p:clrMapOvr>
-  <mc:AlternateContent xmlns:mc="http://schemas.openxmlformats.org/markup-compatibility/2006" xmlns:p14="http://schemas.microsoft.com/office/powerpoint/2010/main">
-    <mc:Choice Requires="p14">
+  <mc:AlternateContent xmlns:mc="http://schemas.openxmlformats.org/markup-compatibility/2006">
+    <mc:Choice xmlns:p14="http://schemas.microsoft.com/office/powerpoint/2010/main" Requires="p14">
       <p:transition spd="slow" p14:dur="2000" advClick="0" advTm="5000"/>
     </mc:Choice>
-    <mc:Fallback xmlns="">
+    <mc:Fallback>
       <p:transition spd="slow" advClick="0" advTm="5000"/>
     </mc:Fallback>
   </mc:AlternateContent>
@@ -14297,15 +14183,33 @@
                                   </p:childTnLst>
                                 </p:cTn>
                               </p:par>
+                            </p:childTnLst>
+                          </p:cTn>
+                        </p:par>
+                      </p:childTnLst>
+                    </p:cTn>
+                  </p:par>
+                  <p:par>
+                    <p:cTn id="7" fill="hold">
+                      <p:stCondLst>
+                        <p:cond delay="indefinite"/>
+                      </p:stCondLst>
+                      <p:childTnLst>
+                        <p:par>
+                          <p:cTn id="8" fill="hold">
+                            <p:stCondLst>
+                              <p:cond delay="0"/>
+                            </p:stCondLst>
+                            <p:childTnLst>
                               <p:par>
-                                <p:cTn id="7" presetID="1" presetClass="entr" presetSubtype="0" fill="hold" nodeType="withEffect">
+                                <p:cTn id="9" presetID="1" presetClass="entr" presetSubtype="0" fill="hold" nodeType="clickEffect">
                                   <p:stCondLst>
                                     <p:cond delay="0"/>
                                   </p:stCondLst>
                                   <p:childTnLst>
                                     <p:set>
                                       <p:cBhvr>
-                                        <p:cTn id="8" dur="1" fill="hold">
+                                        <p:cTn id="10" dur="1" fill="hold">
                                           <p:stCondLst>
                                             <p:cond delay="0"/>
                                           </p:stCondLst>
@@ -14335,26 +14239,26 @@
                     </p:cTn>
                   </p:par>
                   <p:par>
-                    <p:cTn id="9" fill="hold">
+                    <p:cTn id="11" fill="hold">
                       <p:stCondLst>
                         <p:cond delay="indefinite"/>
                       </p:stCondLst>
                       <p:childTnLst>
                         <p:par>
-                          <p:cTn id="10" fill="hold">
+                          <p:cTn id="12" fill="hold">
                             <p:stCondLst>
                               <p:cond delay="0"/>
                             </p:stCondLst>
                             <p:childTnLst>
                               <p:par>
-                                <p:cTn id="11" presetID="1" presetClass="entr" presetSubtype="0" fill="hold" nodeType="clickEffect">
+                                <p:cTn id="13" presetID="1" presetClass="entr" presetSubtype="0" fill="hold" nodeType="clickEffect">
                                   <p:stCondLst>
                                     <p:cond delay="0"/>
                                   </p:stCondLst>
                                   <p:childTnLst>
                                     <p:set>
                                       <p:cBhvr>
-                                        <p:cTn id="12" dur="1" fill="hold">
+                                        <p:cTn id="14" dur="1" fill="hold">
                                           <p:stCondLst>
                                             <p:cond delay="0"/>
                                           </p:stCondLst>
@@ -14384,26 +14288,26 @@
                     </p:cTn>
                   </p:par>
                   <p:par>
-                    <p:cTn id="13" fill="hold">
+                    <p:cTn id="15" fill="hold">
                       <p:stCondLst>
                         <p:cond delay="indefinite"/>
                       </p:stCondLst>
                       <p:childTnLst>
                         <p:par>
-                          <p:cTn id="14" fill="hold">
+                          <p:cTn id="16" fill="hold">
                             <p:stCondLst>
                               <p:cond delay="0"/>
                             </p:stCondLst>
                             <p:childTnLst>
                               <p:par>
-                                <p:cTn id="15" presetID="1" presetClass="entr" presetSubtype="0" fill="hold" nodeType="clickEffect">
+                                <p:cTn id="17" presetID="1" presetClass="entr" presetSubtype="0" fill="hold" nodeType="clickEffect">
                                   <p:stCondLst>
                                     <p:cond delay="0"/>
                                   </p:stCondLst>
                                   <p:childTnLst>
                                     <p:set>
                                       <p:cBhvr>
-                                        <p:cTn id="16" dur="1" fill="hold">
+                                        <p:cTn id="18" dur="1" fill="hold">
                                           <p:stCondLst>
                                             <p:cond delay="0"/>
                                           </p:stCondLst>
@@ -14592,8 +14496,17 @@
           <a:bodyPr/>
           <a:lstStyle/>
           <a:p>
-            <a:r>
-              <a:rPr lang="bg-BG" b="1" dirty="0"/>
+            <a:pPr>
+              <a:buClr>
+                <a:schemeClr val="tx1"/>
+              </a:buClr>
+            </a:pPr>
+            <a:r>
+              <a:rPr lang="bg-BG" b="1" dirty="0">
+                <a:solidFill>
+                  <a:schemeClr val="bg1"/>
+                </a:solidFill>
+              </a:rPr>
               <a:t>Клетка</a:t>
             </a:r>
             <a:r>
@@ -14606,8 +14519,17 @@
             </a:r>
           </a:p>
           <a:p>
-            <a:r>
-              <a:rPr lang="bg-BG" b="1" dirty="0"/>
+            <a:pPr>
+              <a:buClr>
+                <a:schemeClr val="tx1"/>
+              </a:buClr>
+            </a:pPr>
+            <a:r>
+              <a:rPr lang="bg-BG" b="1" dirty="0">
+                <a:solidFill>
+                  <a:schemeClr val="bg1"/>
+                </a:solidFill>
+              </a:rPr>
               <a:t>Ред</a:t>
             </a:r>
             <a:r>
@@ -14656,9 +14578,22 @@
             <a:endParaRPr lang="en-US" dirty="0"/>
           </a:p>
           <a:p>
+            <a:pPr>
+              <a:buClr>
+                <a:schemeClr val="tx1"/>
+              </a:buClr>
+            </a:pPr>
+            <a:r>
+              <a:rPr lang="bg-BG" b="1" dirty="0">
+                <a:solidFill>
+                  <a:schemeClr val="bg1"/>
+                </a:solidFill>
+              </a:rPr>
+              <a:t>Колона</a:t>
+            </a:r>
             <a:r>
               <a:rPr lang="bg-BG" b="1" dirty="0"/>
-              <a:t>Колона </a:t>
+              <a:t> </a:t>
             </a:r>
             <a:r>
               <a:rPr lang="bg-BG" dirty="0"/>
@@ -14726,9 +14661,22 @@
             <a:endParaRPr lang="en-US" dirty="0"/>
           </a:p>
           <a:p>
+            <a:pPr>
+              <a:buClr>
+                <a:schemeClr val="tx1"/>
+              </a:buClr>
+            </a:pPr>
+            <a:r>
+              <a:rPr lang="bg-BG" b="1" dirty="0">
+                <a:solidFill>
+                  <a:schemeClr val="bg1"/>
+                </a:solidFill>
+              </a:rPr>
+              <a:t>Адрес</a:t>
+            </a:r>
             <a:r>
               <a:rPr lang="bg-BG" b="1" dirty="0"/>
-              <a:t>Адрес на клетка </a:t>
+              <a:t> на клетка </a:t>
             </a:r>
             <a:r>
               <a:rPr lang="bg-BG" dirty="0"/>
@@ -15165,14 +15113,13 @@
               </a:ext>
             </a:extLst>
           </a:blip>
-          <a:stretch>
-            <a:fillRect/>
-          </a:stretch>
+          <a:srcRect/>
+          <a:stretch/>
         </p:blipFill>
         <p:spPr>
           <a:xfrm>
-            <a:off x="3868500" y="1784635"/>
-            <a:ext cx="4455000" cy="4117120"/>
+            <a:off x="3790840" y="1930515"/>
+            <a:ext cx="4455000" cy="3876160"/>
           </a:xfrm>
           <a:prstGeom prst="rect">
             <a:avLst/>
@@ -15199,8 +15146,8 @@
           </a:xfrm>
           <a:prstGeom prst="wedgeRoundRectCallout">
             <a:avLst>
-              <a:gd name="adj1" fmla="val -91634"/>
-              <a:gd name="adj2" fmla="val 114820"/>
+              <a:gd name="adj1" fmla="val -90612"/>
+              <a:gd name="adj2" fmla="val 136058"/>
               <a:gd name="adj3" fmla="val 16667"/>
             </a:avLst>
           </a:prstGeom>
@@ -15283,7 +15230,7 @@
         </p:nvGrpSpPr>
         <p:grpSpPr>
           <a:xfrm>
-            <a:off x="5781000" y="2394000"/>
+            <a:off x="5781000" y="2304000"/>
             <a:ext cx="810000" cy="3507755"/>
             <a:chOff x="5781000" y="2394000"/>
             <a:chExt cx="810000" cy="3507755"/>
@@ -15449,7 +15396,7 @@
         </p:nvGrpSpPr>
         <p:grpSpPr>
           <a:xfrm rot="16200000">
-            <a:off x="5955474" y="1252028"/>
+            <a:off x="5869643" y="1252028"/>
             <a:ext cx="281056" cy="4455001"/>
             <a:chOff x="5781000" y="2394000"/>
             <a:chExt cx="810000" cy="3507755"/>
@@ -15526,7 +15473,7 @@
         </p:nvSpPr>
         <p:spPr bwMode="auto">
           <a:xfrm>
-            <a:off x="718501" y="1289122"/>
+            <a:off x="696000" y="1289122"/>
             <a:ext cx="2835000" cy="709117"/>
           </a:xfrm>
           <a:prstGeom prst="wedgeRoundRectCallout">
